--- a/AIS_彭敏龙_Name_Entity_Recognition_using_Positive_Unlabeled_Learning.pptx
+++ b/AIS_彭敏龙_Name_Entity_Recognition_using_Positive_Unlabeled_Learning.pptx
@@ -122,6 +122,22 @@
       </a:defRPr>
     </a:lvl9pPr>
   </p:defaultTextStyle>
+  <p:extLst>
+    <p:ext uri="{EFAFB233-063F-42B5-8137-9DF3F51BA10A}">
+      <p15:sldGuideLst xmlns:p15="http://schemas.microsoft.com/office/powerpoint/2012/main">
+        <p15:guide id="1" orient="horz" pos="1620">
+          <p15:clr>
+            <a:srgbClr val="A4A3A4"/>
+          </p15:clr>
+        </p15:guide>
+        <p15:guide id="2" pos="2880">
+          <p15:clr>
+            <a:srgbClr val="A4A3A4"/>
+          </p15:clr>
+        </p15:guide>
+      </p15:sldGuideLst>
+    </p:ext>
+  </p:extLst>
 </p:presentation>
 </file>
 
@@ -207,7 +223,7 @@
           <a:p>
             <a:fld id="{EAF30D21-CD19-46EF-BCC7-B1969D16EF0D}" type="datetimeFigureOut">
               <a:rPr lang="zh-CN" altLang="en-US" smtClean="0"/>
-              <a:t>2019/5/23 Thursday</a:t>
+              <a:t>2019/5/27</a:t>
             </a:fld>
             <a:endParaRPr lang="zh-CN" altLang="en-US"/>
           </a:p>
@@ -273,38 +289,37 @@
           <a:p>
             <a:pPr lvl="0"/>
             <a:r>
-              <a:rPr lang="zh-CN" altLang="en-US" smtClean="0"/>
+              <a:rPr lang="zh-CN" altLang="en-US"/>
               <a:t>单击此处编辑母版文本样式</a:t>
             </a:r>
           </a:p>
           <a:p>
             <a:pPr lvl="1"/>
             <a:r>
-              <a:rPr lang="zh-CN" altLang="en-US" smtClean="0"/>
+              <a:rPr lang="zh-CN" altLang="en-US"/>
               <a:t>第二级</a:t>
             </a:r>
           </a:p>
           <a:p>
             <a:pPr lvl="2"/>
             <a:r>
-              <a:rPr lang="zh-CN" altLang="en-US" smtClean="0"/>
+              <a:rPr lang="zh-CN" altLang="en-US"/>
               <a:t>第三级</a:t>
             </a:r>
           </a:p>
           <a:p>
             <a:pPr lvl="3"/>
             <a:r>
-              <a:rPr lang="zh-CN" altLang="en-US" smtClean="0"/>
+              <a:rPr lang="zh-CN" altLang="en-US"/>
               <a:t>第四级</a:t>
             </a:r>
           </a:p>
           <a:p>
             <a:pPr lvl="4"/>
             <a:r>
-              <a:rPr lang="zh-CN" altLang="en-US" smtClean="0"/>
+              <a:rPr lang="zh-CN" altLang="en-US"/>
               <a:t>第五级</a:t>
             </a:r>
-            <a:endParaRPr lang="zh-CN" altLang="en-US"/>
           </a:p>
         </p:txBody>
       </p:sp>
@@ -524,78 +539,78 @@
           <a:lstStyle/>
           <a:p>
             <a:r>
-              <a:rPr lang="en-US" altLang="zh-CN" dirty="0" err="1" smtClean="0"/>
+              <a:rPr lang="en-US" altLang="zh-CN" dirty="0" err="1"/>
               <a:t>uPU</a:t>
             </a:r>
             <a:r>
-              <a:rPr lang="en-US" altLang="zh-CN" dirty="0" smtClean="0"/>
+              <a:rPr lang="en-US" altLang="zh-CN" dirty="0"/>
               <a:t>: cross entropy</a:t>
             </a:r>
             <a:r>
-              <a:rPr lang="en-US" altLang="zh-CN" baseline="0" dirty="0" smtClean="0"/>
+              <a:rPr lang="en-US" altLang="zh-CN" baseline="0" dirty="0"/>
               <a:t> loss function</a:t>
             </a:r>
-            <a:endParaRPr lang="en-US" altLang="zh-CN" dirty="0" smtClean="0"/>
-          </a:p>
-          <a:p>
-            <a:r>
-              <a:rPr lang="en-US" altLang="zh-CN" dirty="0" err="1" smtClean="0"/>
+            <a:endParaRPr lang="en-US" altLang="zh-CN" dirty="0"/>
+          </a:p>
+          <a:p>
+            <a:r>
+              <a:rPr lang="en-US" altLang="zh-CN" dirty="0" err="1"/>
               <a:t>buPU</a:t>
             </a:r>
             <a:r>
-              <a:rPr lang="en-US" altLang="zh-CN" dirty="0" smtClean="0"/>
+              <a:rPr lang="en-US" altLang="zh-CN" dirty="0"/>
               <a:t>: </a:t>
             </a:r>
             <a:r>
-              <a:rPr lang="en-US" altLang="zh-CN" dirty="0" err="1" smtClean="0"/>
+              <a:rPr lang="en-US" altLang="zh-CN" dirty="0" err="1"/>
               <a:t>uPU</a:t>
             </a:r>
             <a:r>
-              <a:rPr lang="en-US" altLang="zh-CN" dirty="0" smtClean="0"/>
+              <a:rPr lang="en-US" altLang="zh-CN" dirty="0"/>
               <a:t> with unbiased loss function</a:t>
             </a:r>
           </a:p>
           <a:p>
             <a:r>
-              <a:rPr lang="en-US" altLang="zh-CN" dirty="0" err="1" smtClean="0"/>
+              <a:rPr lang="en-US" altLang="zh-CN" dirty="0" err="1"/>
               <a:t>bnPU</a:t>
             </a:r>
             <a:r>
-              <a:rPr lang="en-US" altLang="zh-CN" dirty="0" smtClean="0"/>
+              <a:rPr lang="en-US" altLang="zh-CN" dirty="0"/>
               <a:t>: </a:t>
             </a:r>
             <a:r>
-              <a:rPr lang="en-US" altLang="zh-CN" dirty="0" err="1" smtClean="0"/>
+              <a:rPr lang="en-US" altLang="zh-CN" dirty="0" err="1"/>
               <a:t>buPU</a:t>
             </a:r>
             <a:r>
-              <a:rPr lang="en-US" altLang="zh-CN" dirty="0" smtClean="0"/>
+              <a:rPr lang="en-US" altLang="zh-CN" dirty="0"/>
               <a:t> + non-negative constrain</a:t>
             </a:r>
           </a:p>
           <a:p>
             <a:r>
-              <a:rPr lang="en-US" altLang="zh-CN" dirty="0" err="1" smtClean="0"/>
+              <a:rPr lang="en-US" altLang="zh-CN" dirty="0" err="1"/>
               <a:t>AdaPU</a:t>
             </a:r>
             <a:r>
-              <a:rPr lang="en-US" altLang="zh-CN" dirty="0" smtClean="0"/>
+              <a:rPr lang="en-US" altLang="zh-CN" dirty="0"/>
               <a:t>: </a:t>
             </a:r>
             <a:r>
-              <a:rPr lang="en-US" altLang="zh-CN" dirty="0" err="1" smtClean="0"/>
+              <a:rPr lang="en-US" altLang="zh-CN" dirty="0" err="1"/>
               <a:t>bnPU</a:t>
             </a:r>
             <a:r>
-              <a:rPr lang="en-US" altLang="zh-CN" dirty="0" smtClean="0"/>
+              <a:rPr lang="en-US" altLang="zh-CN" dirty="0"/>
               <a:t> + </a:t>
             </a:r>
             <a:r>
-              <a:rPr lang="en-US" altLang="zh-CN" dirty="0" err="1" smtClean="0"/>
+              <a:rPr lang="en-US" altLang="zh-CN" dirty="0" err="1"/>
               <a:t>adaptative</a:t>
             </a:r>
             <a:r>
-              <a:rPr lang="en-US" altLang="zh-CN" dirty="0" smtClean="0"/>
+              <a:rPr lang="en-US" altLang="zh-CN" dirty="0"/>
               <a:t> learning</a:t>
             </a:r>
             <a:endParaRPr lang="zh-CN" altLang="en-US" dirty="0"/>
@@ -685,78 +700,78 @@
           <a:lstStyle/>
           <a:p>
             <a:r>
-              <a:rPr lang="en-US" altLang="zh-CN" dirty="0" err="1" smtClean="0"/>
+              <a:rPr lang="en-US" altLang="zh-CN" dirty="0" err="1"/>
               <a:t>uPU</a:t>
             </a:r>
             <a:r>
-              <a:rPr lang="en-US" altLang="zh-CN" dirty="0" smtClean="0"/>
+              <a:rPr lang="en-US" altLang="zh-CN" dirty="0"/>
               <a:t>: cross entropy</a:t>
             </a:r>
             <a:r>
-              <a:rPr lang="en-US" altLang="zh-CN" baseline="0" dirty="0" smtClean="0"/>
+              <a:rPr lang="en-US" altLang="zh-CN" baseline="0" dirty="0"/>
               <a:t> loss function</a:t>
             </a:r>
-            <a:endParaRPr lang="en-US" altLang="zh-CN" dirty="0" smtClean="0"/>
-          </a:p>
-          <a:p>
-            <a:r>
-              <a:rPr lang="en-US" altLang="zh-CN" dirty="0" err="1" smtClean="0"/>
+            <a:endParaRPr lang="en-US" altLang="zh-CN" dirty="0"/>
+          </a:p>
+          <a:p>
+            <a:r>
+              <a:rPr lang="en-US" altLang="zh-CN" dirty="0" err="1"/>
               <a:t>buPU</a:t>
             </a:r>
             <a:r>
-              <a:rPr lang="en-US" altLang="zh-CN" dirty="0" smtClean="0"/>
+              <a:rPr lang="en-US" altLang="zh-CN" dirty="0"/>
               <a:t>: </a:t>
             </a:r>
             <a:r>
-              <a:rPr lang="en-US" altLang="zh-CN" dirty="0" err="1" smtClean="0"/>
+              <a:rPr lang="en-US" altLang="zh-CN" dirty="0" err="1"/>
               <a:t>uPU</a:t>
             </a:r>
             <a:r>
-              <a:rPr lang="en-US" altLang="zh-CN" dirty="0" smtClean="0"/>
+              <a:rPr lang="en-US" altLang="zh-CN" dirty="0"/>
               <a:t> with unbiased loss function</a:t>
             </a:r>
           </a:p>
           <a:p>
             <a:r>
-              <a:rPr lang="en-US" altLang="zh-CN" dirty="0" err="1" smtClean="0"/>
+              <a:rPr lang="en-US" altLang="zh-CN" dirty="0" err="1"/>
               <a:t>bnPU</a:t>
             </a:r>
             <a:r>
-              <a:rPr lang="en-US" altLang="zh-CN" dirty="0" smtClean="0"/>
+              <a:rPr lang="en-US" altLang="zh-CN" dirty="0"/>
               <a:t>: </a:t>
             </a:r>
             <a:r>
-              <a:rPr lang="en-US" altLang="zh-CN" dirty="0" err="1" smtClean="0"/>
+              <a:rPr lang="en-US" altLang="zh-CN" dirty="0" err="1"/>
               <a:t>buPU</a:t>
             </a:r>
             <a:r>
-              <a:rPr lang="en-US" altLang="zh-CN" dirty="0" smtClean="0"/>
+              <a:rPr lang="en-US" altLang="zh-CN" dirty="0"/>
               <a:t> + non-negative constrain</a:t>
             </a:r>
           </a:p>
           <a:p>
             <a:r>
-              <a:rPr lang="en-US" altLang="zh-CN" dirty="0" err="1" smtClean="0"/>
+              <a:rPr lang="en-US" altLang="zh-CN" dirty="0" err="1"/>
               <a:t>AdaPU</a:t>
             </a:r>
             <a:r>
-              <a:rPr lang="en-US" altLang="zh-CN" dirty="0" smtClean="0"/>
+              <a:rPr lang="en-US" altLang="zh-CN" dirty="0"/>
               <a:t>: </a:t>
             </a:r>
             <a:r>
-              <a:rPr lang="en-US" altLang="zh-CN" dirty="0" err="1" smtClean="0"/>
+              <a:rPr lang="en-US" altLang="zh-CN" dirty="0" err="1"/>
               <a:t>bnPU</a:t>
             </a:r>
             <a:r>
-              <a:rPr lang="en-US" altLang="zh-CN" dirty="0" smtClean="0"/>
+              <a:rPr lang="en-US" altLang="zh-CN" dirty="0"/>
               <a:t> + </a:t>
             </a:r>
             <a:r>
-              <a:rPr lang="en-US" altLang="zh-CN" dirty="0" err="1" smtClean="0"/>
+              <a:rPr lang="en-US" altLang="zh-CN" dirty="0" err="1"/>
               <a:t>adaptative</a:t>
             </a:r>
             <a:r>
-              <a:rPr lang="en-US" altLang="zh-CN" dirty="0" smtClean="0"/>
+              <a:rPr lang="en-US" altLang="zh-CN" dirty="0"/>
               <a:t> learning</a:t>
             </a:r>
             <a:endParaRPr lang="zh-CN" altLang="en-US" dirty="0"/>
@@ -1004,10 +1019,9 @@
           <a:lstStyle/>
           <a:p>
             <a:r>
-              <a:rPr lang="zh-CN" altLang="en-US" smtClean="0"/>
+              <a:rPr lang="zh-CN" altLang="en-US"/>
               <a:t>单击此处编辑母版标题样式</a:t>
             </a:r>
-            <a:endParaRPr lang="zh-CN" altLang="en-US"/>
           </a:p>
         </p:txBody>
       </p:sp>
@@ -1126,10 +1140,9 @@
           </a:lstStyle>
           <a:p>
             <a:r>
-              <a:rPr lang="zh-CN" altLang="en-US" smtClean="0"/>
+              <a:rPr lang="zh-CN" altLang="en-US"/>
               <a:t>单击此处编辑母版副标题样式</a:t>
             </a:r>
-            <a:endParaRPr lang="zh-CN" altLang="en-US"/>
           </a:p>
         </p:txBody>
       </p:sp>
@@ -1151,7 +1164,7 @@
             <a:fld id="{E02B3E8B-F50A-4B69-8588-1529D30C5771}" type="datetimeFigureOut">
               <a:rPr lang="zh-CN" altLang="en-US" smtClean="0"/>
               <a:pPr/>
-              <a:t>2019/5/23 Thursday</a:t>
+              <a:t>2019/5/27</a:t>
             </a:fld>
             <a:endParaRPr lang="zh-CN" altLang="en-US"/>
           </a:p>
@@ -1241,10 +1254,9 @@
           <a:lstStyle/>
           <a:p>
             <a:r>
-              <a:rPr lang="zh-CN" altLang="en-US" smtClean="0"/>
+              <a:rPr lang="zh-CN" altLang="en-US"/>
               <a:t>单击此处编辑母版标题样式</a:t>
             </a:r>
-            <a:endParaRPr lang="zh-CN" altLang="en-US"/>
           </a:p>
         </p:txBody>
       </p:sp>
@@ -1273,38 +1285,37 @@
           <a:p>
             <a:pPr lvl="0"/>
             <a:r>
-              <a:rPr lang="zh-CN" altLang="en-US" smtClean="0"/>
+              <a:rPr lang="zh-CN" altLang="en-US"/>
               <a:t>单击此处编辑母版文本样式</a:t>
             </a:r>
           </a:p>
           <a:p>
             <a:pPr lvl="1"/>
             <a:r>
-              <a:rPr lang="zh-CN" altLang="en-US" smtClean="0"/>
+              <a:rPr lang="zh-CN" altLang="en-US"/>
               <a:t>第二级</a:t>
             </a:r>
           </a:p>
           <a:p>
             <a:pPr lvl="2"/>
             <a:r>
-              <a:rPr lang="zh-CN" altLang="en-US" smtClean="0"/>
+              <a:rPr lang="zh-CN" altLang="en-US"/>
               <a:t>第三级</a:t>
             </a:r>
           </a:p>
           <a:p>
             <a:pPr lvl="3"/>
             <a:r>
-              <a:rPr lang="zh-CN" altLang="en-US" smtClean="0"/>
+              <a:rPr lang="zh-CN" altLang="en-US"/>
               <a:t>第四级</a:t>
             </a:r>
           </a:p>
           <a:p>
             <a:pPr lvl="4"/>
             <a:r>
-              <a:rPr lang="zh-CN" altLang="en-US" smtClean="0"/>
+              <a:rPr lang="zh-CN" altLang="en-US"/>
               <a:t>第五级</a:t>
             </a:r>
-            <a:endParaRPr lang="zh-CN" altLang="en-US"/>
           </a:p>
         </p:txBody>
       </p:sp>
@@ -1326,7 +1337,7 @@
             <a:fld id="{E02B3E8B-F50A-4B69-8588-1529D30C5771}" type="datetimeFigureOut">
               <a:rPr lang="zh-CN" altLang="en-US" smtClean="0"/>
               <a:pPr/>
-              <a:t>2019/5/23 Thursday</a:t>
+              <a:t>2019/5/27</a:t>
             </a:fld>
             <a:endParaRPr lang="zh-CN" altLang="en-US"/>
           </a:p>
@@ -1421,10 +1432,9 @@
           <a:lstStyle/>
           <a:p>
             <a:r>
-              <a:rPr lang="zh-CN" altLang="en-US" smtClean="0"/>
+              <a:rPr lang="zh-CN" altLang="en-US"/>
               <a:t>单击此处编辑母版标题样式</a:t>
             </a:r>
-            <a:endParaRPr lang="zh-CN" altLang="en-US"/>
           </a:p>
         </p:txBody>
       </p:sp>
@@ -1453,38 +1463,37 @@
           <a:p>
             <a:pPr lvl="0"/>
             <a:r>
-              <a:rPr lang="zh-CN" altLang="en-US" smtClean="0"/>
+              <a:rPr lang="zh-CN" altLang="en-US"/>
               <a:t>单击此处编辑母版文本样式</a:t>
             </a:r>
           </a:p>
           <a:p>
             <a:pPr lvl="1"/>
             <a:r>
-              <a:rPr lang="zh-CN" altLang="en-US" smtClean="0"/>
+              <a:rPr lang="zh-CN" altLang="en-US"/>
               <a:t>第二级</a:t>
             </a:r>
           </a:p>
           <a:p>
             <a:pPr lvl="2"/>
             <a:r>
-              <a:rPr lang="zh-CN" altLang="en-US" smtClean="0"/>
+              <a:rPr lang="zh-CN" altLang="en-US"/>
               <a:t>第三级</a:t>
             </a:r>
           </a:p>
           <a:p>
             <a:pPr lvl="3"/>
             <a:r>
-              <a:rPr lang="zh-CN" altLang="en-US" smtClean="0"/>
+              <a:rPr lang="zh-CN" altLang="en-US"/>
               <a:t>第四级</a:t>
             </a:r>
           </a:p>
           <a:p>
             <a:pPr lvl="4"/>
             <a:r>
-              <a:rPr lang="zh-CN" altLang="en-US" smtClean="0"/>
+              <a:rPr lang="zh-CN" altLang="en-US"/>
               <a:t>第五级</a:t>
             </a:r>
-            <a:endParaRPr lang="zh-CN" altLang="en-US"/>
           </a:p>
         </p:txBody>
       </p:sp>
@@ -1506,7 +1515,7 @@
             <a:fld id="{E02B3E8B-F50A-4B69-8588-1529D30C5771}" type="datetimeFigureOut">
               <a:rPr lang="zh-CN" altLang="en-US" smtClean="0"/>
               <a:pPr/>
-              <a:t>2019/5/23 Thursday</a:t>
+              <a:t>2019/5/27</a:t>
             </a:fld>
             <a:endParaRPr lang="zh-CN" altLang="en-US"/>
           </a:p>
@@ -1671,7 +1680,7 @@
           <a:blip r:embed="rId2" cstate="print">
             <a:extLst>
               <a:ext uri="{28A0092B-C50C-407E-A947-70E740481C1C}">
-                <a14:useLocalDpi xmlns:a14="http://schemas.microsoft.com/office/drawing/2010/main" xmlns="" val="0"/>
+                <a14:useLocalDpi xmlns:a14="http://schemas.microsoft.com/office/drawing/2010/main" val="0"/>
               </a:ext>
             </a:extLst>
           </a:blip>
@@ -1730,45 +1739,8 @@
                 <a:latin typeface="幼圆" pitchFamily="49" charset="-122"/>
                 <a:ea typeface="幼圆" pitchFamily="49" charset="-122"/>
               </a:rPr>
-              <a:t>复旦大学 </a:t>
-            </a:r>
-            <a:r>
-              <a:rPr lang="zh-CN" altLang="en-US" sz="2000" b="0" i="0" dirty="0" smtClean="0">
-                <a:solidFill>
-                  <a:schemeClr val="bg1"/>
-                </a:solidFill>
-                <a:latin typeface="幼圆" pitchFamily="49" charset="-122"/>
-                <a:ea typeface="幼圆" pitchFamily="49" charset="-122"/>
-              </a:rPr>
-              <a:t>计</a:t>
-            </a:r>
-            <a:r>
-              <a:rPr lang="zh-CN" altLang="en-US" sz="2000" b="0" i="0" dirty="0">
-                <a:solidFill>
-                  <a:schemeClr val="bg1"/>
-                </a:solidFill>
-                <a:latin typeface="幼圆" pitchFamily="49" charset="-122"/>
-                <a:ea typeface="幼圆" pitchFamily="49" charset="-122"/>
-              </a:rPr>
-              <a:t>算机科学技术学</a:t>
-            </a:r>
-            <a:r>
-              <a:rPr lang="zh-CN" altLang="en-US" sz="2000" b="0" i="0" dirty="0" smtClean="0">
-                <a:solidFill>
-                  <a:schemeClr val="bg1"/>
-                </a:solidFill>
-                <a:latin typeface="幼圆" pitchFamily="49" charset="-122"/>
-                <a:ea typeface="幼圆" pitchFamily="49" charset="-122"/>
-              </a:rPr>
-              <a:t>院 多媒体计算组</a:t>
-            </a:r>
-            <a:endParaRPr lang="zh-CN" altLang="en-US" sz="2000" b="0" i="0" dirty="0">
-              <a:solidFill>
-                <a:schemeClr val="bg1"/>
-              </a:solidFill>
-              <a:latin typeface="幼圆" pitchFamily="49" charset="-122"/>
-              <a:ea typeface="幼圆" pitchFamily="49" charset="-122"/>
-            </a:endParaRPr>
+              <a:t>复旦大学 计算机科学技术学院 自然语言处理组</a:t>
+            </a:r>
           </a:p>
         </p:txBody>
       </p:sp>
@@ -1812,7 +1784,7 @@
               <a:defRPr/>
             </a:pPr>
             <a:r>
-              <a:rPr lang="en-US" altLang="zh-CN" sz="1200" b="0" i="0" kern="1200" cap="none" spc="0" noProof="0" dirty="0" smtClean="0">
+              <a:rPr lang="en-US" altLang="zh-CN" sz="1200" b="0" i="0" kern="1200" cap="none" spc="0" noProof="0" dirty="0">
                 <a:ln>
                   <a:noFill/>
                 </a:ln>
@@ -1832,7 +1804,7 @@
               </a:rPr>
               <a:t>Named Entity Recognition using Positive-Unlabeled Learning</a:t>
             </a:r>
-            <a:endParaRPr lang="zh-CN" altLang="en-US" sz="1200" b="0" i="0" kern="1200" cap="none" spc="0" dirty="0" smtClean="0">
+            <a:endParaRPr lang="zh-CN" altLang="en-US" sz="1200" b="0" i="0" kern="1200" cap="none" spc="0" dirty="0">
               <a:ln>
                 <a:noFill/>
               </a:ln>
@@ -1880,10 +1852,9 @@
           </a:lstStyle>
           <a:p>
             <a:r>
-              <a:rPr lang="zh-CN" altLang="en-US" dirty="0" smtClean="0"/>
+              <a:rPr lang="zh-CN" altLang="en-US" dirty="0"/>
               <a:t>单击此处编辑母版标题样式</a:t>
             </a:r>
-            <a:endParaRPr lang="zh-CN" altLang="en-US" dirty="0"/>
           </a:p>
         </p:txBody>
       </p:sp>
@@ -1933,10 +1904,9 @@
           <a:lstStyle/>
           <a:p>
             <a:r>
-              <a:rPr lang="zh-CN" altLang="en-US" smtClean="0"/>
+              <a:rPr lang="zh-CN" altLang="en-US"/>
               <a:t>单击此处编辑母版标题样式</a:t>
             </a:r>
-            <a:endParaRPr lang="zh-CN" altLang="en-US"/>
           </a:p>
         </p:txBody>
       </p:sp>
@@ -2052,10 +2022,9 @@
           </a:lstStyle>
           <a:p>
             <a:r>
-              <a:rPr lang="zh-CN" altLang="en-US" smtClean="0"/>
+              <a:rPr lang="zh-CN" altLang="en-US"/>
               <a:t>单击此处编辑母版副标题样式</a:t>
             </a:r>
-            <a:endParaRPr lang="zh-CN" altLang="en-US"/>
           </a:p>
         </p:txBody>
       </p:sp>
@@ -2076,7 +2045,7 @@
           <a:p>
             <a:fld id="{E5ECFB5A-FE9D-484B-B66D-0B4EAA306AE4}" type="datetimeFigureOut">
               <a:rPr lang="zh-CN" altLang="en-US" smtClean="0"/>
-              <a:t>2019/5/23 Thursday</a:t>
+              <a:t>2019/5/27</a:t>
             </a:fld>
             <a:endParaRPr lang="zh-CN" altLang="en-US"/>
           </a:p>
@@ -2128,10 +2097,9 @@
           <a:lstStyle/>
           <a:p>
             <a:r>
-              <a:rPr lang="zh-CN" altLang="en-US" smtClean="0"/>
+              <a:rPr lang="zh-CN" altLang="en-US"/>
               <a:t>单击此处编辑母版标题样式</a:t>
             </a:r>
-            <a:endParaRPr lang="zh-CN" altLang="en-US"/>
           </a:p>
         </p:txBody>
       </p:sp>
@@ -2152,7 +2120,7 @@
           <a:p>
             <a:fld id="{E5ECFB5A-FE9D-484B-B66D-0B4EAA306AE4}" type="datetimeFigureOut">
               <a:rPr lang="zh-CN" altLang="en-US" smtClean="0"/>
-              <a:t>2019/5/23 Thursday</a:t>
+              <a:t>2019/5/27</a:t>
             </a:fld>
             <a:endParaRPr lang="zh-CN" altLang="en-US"/>
           </a:p>
@@ -2199,7 +2167,7 @@
               <a:defRPr/>
             </a:pPr>
             <a:r>
-              <a:rPr kumimoji="0" lang="zh-CN" altLang="en-US" sz="4400" b="0" i="0" u="none" strike="noStrike" kern="1200" cap="none" spc="0" normalizeH="0" baseline="0" noProof="0" smtClean="0">
+              <a:rPr kumimoji="0" lang="zh-CN" altLang="en-US" sz="4400" b="0" i="0" u="none" strike="noStrike" kern="1200" cap="none" spc="0" normalizeH="0" baseline="0" noProof="0">
                 <a:ln>
                   <a:noFill/>
                 </a:ln>
@@ -2268,10 +2236,9 @@
           </a:lstStyle>
           <a:p>
             <a:r>
-              <a:rPr lang="zh-CN" altLang="en-US" smtClean="0"/>
+              <a:rPr lang="zh-CN" altLang="en-US"/>
               <a:t>单击此处编辑母版标题样式</a:t>
             </a:r>
-            <a:endParaRPr lang="zh-CN" altLang="en-US"/>
           </a:p>
         </p:txBody>
       </p:sp>
@@ -2388,7 +2355,7 @@
           <a:p>
             <a:pPr lvl="0"/>
             <a:r>
-              <a:rPr lang="zh-CN" altLang="en-US" smtClean="0"/>
+              <a:rPr lang="zh-CN" altLang="en-US"/>
               <a:t>单击此处编辑母版文本样式</a:t>
             </a:r>
           </a:p>
@@ -2411,7 +2378,7 @@
           <a:p>
             <a:fld id="{E5ECFB5A-FE9D-484B-B66D-0B4EAA306AE4}" type="datetimeFigureOut">
               <a:rPr lang="zh-CN" altLang="en-US" smtClean="0"/>
-              <a:t>2019/5/23 Thursday</a:t>
+              <a:t>2019/5/27</a:t>
             </a:fld>
             <a:endParaRPr lang="zh-CN" altLang="en-US"/>
           </a:p>
@@ -2516,10 +2483,9 @@
           <a:lstStyle/>
           <a:p>
             <a:r>
-              <a:rPr lang="zh-CN" altLang="en-US" smtClean="0"/>
+              <a:rPr lang="zh-CN" altLang="en-US"/>
               <a:t>单击此处编辑母版标题样式</a:t>
             </a:r>
-            <a:endParaRPr lang="zh-CN" altLang="en-US"/>
           </a:p>
         </p:txBody>
       </p:sp>
@@ -2573,38 +2539,37 @@
           <a:p>
             <a:pPr lvl="0"/>
             <a:r>
-              <a:rPr lang="zh-CN" altLang="en-US" smtClean="0"/>
+              <a:rPr lang="zh-CN" altLang="en-US"/>
               <a:t>单击此处编辑母版文本样式</a:t>
             </a:r>
           </a:p>
           <a:p>
             <a:pPr lvl="1"/>
             <a:r>
-              <a:rPr lang="zh-CN" altLang="en-US" smtClean="0"/>
+              <a:rPr lang="zh-CN" altLang="en-US"/>
               <a:t>第二级</a:t>
             </a:r>
           </a:p>
           <a:p>
             <a:pPr lvl="2"/>
             <a:r>
-              <a:rPr lang="zh-CN" altLang="en-US" smtClean="0"/>
+              <a:rPr lang="zh-CN" altLang="en-US"/>
               <a:t>第三级</a:t>
             </a:r>
           </a:p>
           <a:p>
             <a:pPr lvl="3"/>
             <a:r>
-              <a:rPr lang="zh-CN" altLang="en-US" smtClean="0"/>
+              <a:rPr lang="zh-CN" altLang="en-US"/>
               <a:t>第四级</a:t>
             </a:r>
           </a:p>
           <a:p>
             <a:pPr lvl="4"/>
             <a:r>
-              <a:rPr lang="zh-CN" altLang="en-US" smtClean="0"/>
+              <a:rPr lang="zh-CN" altLang="en-US"/>
               <a:t>第五级</a:t>
             </a:r>
-            <a:endParaRPr lang="zh-CN" altLang="en-US"/>
           </a:p>
         </p:txBody>
       </p:sp>
@@ -2658,38 +2623,37 @@
           <a:p>
             <a:pPr lvl="0"/>
             <a:r>
-              <a:rPr lang="zh-CN" altLang="en-US" smtClean="0"/>
+              <a:rPr lang="zh-CN" altLang="en-US"/>
               <a:t>单击此处编辑母版文本样式</a:t>
             </a:r>
           </a:p>
           <a:p>
             <a:pPr lvl="1"/>
             <a:r>
-              <a:rPr lang="zh-CN" altLang="en-US" smtClean="0"/>
+              <a:rPr lang="zh-CN" altLang="en-US"/>
               <a:t>第二级</a:t>
             </a:r>
           </a:p>
           <a:p>
             <a:pPr lvl="2"/>
             <a:r>
-              <a:rPr lang="zh-CN" altLang="en-US" smtClean="0"/>
+              <a:rPr lang="zh-CN" altLang="en-US"/>
               <a:t>第三级</a:t>
             </a:r>
           </a:p>
           <a:p>
             <a:pPr lvl="3"/>
             <a:r>
-              <a:rPr lang="zh-CN" altLang="en-US" smtClean="0"/>
+              <a:rPr lang="zh-CN" altLang="en-US"/>
               <a:t>第四级</a:t>
             </a:r>
           </a:p>
           <a:p>
             <a:pPr lvl="4"/>
             <a:r>
-              <a:rPr lang="zh-CN" altLang="en-US" smtClean="0"/>
+              <a:rPr lang="zh-CN" altLang="en-US"/>
               <a:t>第五级</a:t>
             </a:r>
-            <a:endParaRPr lang="zh-CN" altLang="en-US"/>
           </a:p>
         </p:txBody>
       </p:sp>
@@ -2710,7 +2674,7 @@
           <a:p>
             <a:fld id="{E5ECFB5A-FE9D-484B-B66D-0B4EAA306AE4}" type="datetimeFigureOut">
               <a:rPr lang="zh-CN" altLang="en-US" smtClean="0"/>
-              <a:t>2019/5/23 Thursday</a:t>
+              <a:t>2019/5/27</a:t>
             </a:fld>
             <a:endParaRPr lang="zh-CN" altLang="en-US"/>
           </a:p>
@@ -2819,10 +2783,9 @@
           </a:lstStyle>
           <a:p>
             <a:r>
-              <a:rPr lang="zh-CN" altLang="en-US" smtClean="0"/>
+              <a:rPr lang="zh-CN" altLang="en-US"/>
               <a:t>单击此处编辑母版标题样式</a:t>
             </a:r>
-            <a:endParaRPr lang="zh-CN" altLang="en-US"/>
           </a:p>
         </p:txBody>
       </p:sp>
@@ -2885,7 +2848,7 @@
           <a:p>
             <a:pPr lvl="0"/>
             <a:r>
-              <a:rPr lang="zh-CN" altLang="en-US" smtClean="0"/>
+              <a:rPr lang="zh-CN" altLang="en-US"/>
               <a:t>单击此处编辑母版文本样式</a:t>
             </a:r>
           </a:p>
@@ -2941,38 +2904,37 @@
           <a:p>
             <a:pPr lvl="0"/>
             <a:r>
-              <a:rPr lang="zh-CN" altLang="en-US" smtClean="0"/>
+              <a:rPr lang="zh-CN" altLang="en-US"/>
               <a:t>单击此处编辑母版文本样式</a:t>
             </a:r>
           </a:p>
           <a:p>
             <a:pPr lvl="1"/>
             <a:r>
-              <a:rPr lang="zh-CN" altLang="en-US" smtClean="0"/>
+              <a:rPr lang="zh-CN" altLang="en-US"/>
               <a:t>第二级</a:t>
             </a:r>
           </a:p>
           <a:p>
             <a:pPr lvl="2"/>
             <a:r>
-              <a:rPr lang="zh-CN" altLang="en-US" smtClean="0"/>
+              <a:rPr lang="zh-CN" altLang="en-US"/>
               <a:t>第三级</a:t>
             </a:r>
           </a:p>
           <a:p>
             <a:pPr lvl="3"/>
             <a:r>
-              <a:rPr lang="zh-CN" altLang="en-US" smtClean="0"/>
+              <a:rPr lang="zh-CN" altLang="en-US"/>
               <a:t>第四级</a:t>
             </a:r>
           </a:p>
           <a:p>
             <a:pPr lvl="4"/>
             <a:r>
-              <a:rPr lang="zh-CN" altLang="en-US" smtClean="0"/>
+              <a:rPr lang="zh-CN" altLang="en-US"/>
               <a:t>第五级</a:t>
             </a:r>
-            <a:endParaRPr lang="zh-CN" altLang="en-US"/>
           </a:p>
         </p:txBody>
       </p:sp>
@@ -3035,7 +2997,7 @@
           <a:p>
             <a:pPr lvl="0"/>
             <a:r>
-              <a:rPr lang="zh-CN" altLang="en-US" smtClean="0"/>
+              <a:rPr lang="zh-CN" altLang="en-US"/>
               <a:t>单击此处编辑母版文本样式</a:t>
             </a:r>
           </a:p>
@@ -3091,38 +3053,37 @@
           <a:p>
             <a:pPr lvl="0"/>
             <a:r>
-              <a:rPr lang="zh-CN" altLang="en-US" smtClean="0"/>
+              <a:rPr lang="zh-CN" altLang="en-US"/>
               <a:t>单击此处编辑母版文本样式</a:t>
             </a:r>
           </a:p>
           <a:p>
             <a:pPr lvl="1"/>
             <a:r>
-              <a:rPr lang="zh-CN" altLang="en-US" smtClean="0"/>
+              <a:rPr lang="zh-CN" altLang="en-US"/>
               <a:t>第二级</a:t>
             </a:r>
           </a:p>
           <a:p>
             <a:pPr lvl="2"/>
             <a:r>
-              <a:rPr lang="zh-CN" altLang="en-US" smtClean="0"/>
+              <a:rPr lang="zh-CN" altLang="en-US"/>
               <a:t>第三级</a:t>
             </a:r>
           </a:p>
           <a:p>
             <a:pPr lvl="3"/>
             <a:r>
-              <a:rPr lang="zh-CN" altLang="en-US" smtClean="0"/>
+              <a:rPr lang="zh-CN" altLang="en-US"/>
               <a:t>第四级</a:t>
             </a:r>
           </a:p>
           <a:p>
             <a:pPr lvl="4"/>
             <a:r>
-              <a:rPr lang="zh-CN" altLang="en-US" smtClean="0"/>
+              <a:rPr lang="zh-CN" altLang="en-US"/>
               <a:t>第五级</a:t>
             </a:r>
-            <a:endParaRPr lang="zh-CN" altLang="en-US"/>
           </a:p>
         </p:txBody>
       </p:sp>
@@ -3143,7 +3104,7 @@
           <a:p>
             <a:fld id="{E5ECFB5A-FE9D-484B-B66D-0B4EAA306AE4}" type="datetimeFigureOut">
               <a:rPr lang="zh-CN" altLang="en-US" smtClean="0"/>
-              <a:t>2019/5/23 Thursday</a:t>
+              <a:t>2019/5/27</a:t>
             </a:fld>
             <a:endParaRPr lang="zh-CN" altLang="en-US"/>
           </a:p>
@@ -3248,10 +3209,9 @@
           <a:lstStyle/>
           <a:p>
             <a:r>
-              <a:rPr lang="zh-CN" altLang="en-US" smtClean="0"/>
+              <a:rPr lang="zh-CN" altLang="en-US"/>
               <a:t>单击此处编辑母版标题样式</a:t>
             </a:r>
-            <a:endParaRPr lang="zh-CN" altLang="en-US"/>
           </a:p>
         </p:txBody>
       </p:sp>
@@ -3272,7 +3232,7 @@
           <a:p>
             <a:fld id="{E5ECFB5A-FE9D-484B-B66D-0B4EAA306AE4}" type="datetimeFigureOut">
               <a:rPr lang="zh-CN" altLang="en-US" smtClean="0"/>
-              <a:t>2019/5/23 Thursday</a:t>
+              <a:t>2019/5/27</a:t>
             </a:fld>
             <a:endParaRPr lang="zh-CN" altLang="en-US"/>
           </a:p>
@@ -3378,7 +3338,7 @@
           <a:p>
             <a:fld id="{E5ECFB5A-FE9D-484B-B66D-0B4EAA306AE4}" type="datetimeFigureOut">
               <a:rPr lang="zh-CN" altLang="en-US" smtClean="0"/>
-              <a:t>2019/5/23 Thursday</a:t>
+              <a:t>2019/5/27</a:t>
             </a:fld>
             <a:endParaRPr lang="zh-CN" altLang="en-US"/>
           </a:p>
@@ -3483,10 +3443,9 @@
           <a:lstStyle/>
           <a:p>
             <a:r>
-              <a:rPr lang="zh-CN" altLang="en-US" smtClean="0"/>
+              <a:rPr lang="zh-CN" altLang="en-US"/>
               <a:t>单击此处编辑母版标题样式</a:t>
             </a:r>
-            <a:endParaRPr lang="zh-CN" altLang="en-US"/>
           </a:p>
         </p:txBody>
       </p:sp>
@@ -3515,38 +3474,37 @@
           <a:p>
             <a:pPr lvl="0"/>
             <a:r>
-              <a:rPr lang="zh-CN" altLang="en-US" smtClean="0"/>
+              <a:rPr lang="zh-CN" altLang="en-US"/>
               <a:t>单击此处编辑母版文本样式</a:t>
             </a:r>
           </a:p>
           <a:p>
             <a:pPr lvl="1"/>
             <a:r>
-              <a:rPr lang="zh-CN" altLang="en-US" smtClean="0"/>
+              <a:rPr lang="zh-CN" altLang="en-US"/>
               <a:t>第二级</a:t>
             </a:r>
           </a:p>
           <a:p>
             <a:pPr lvl="2"/>
             <a:r>
-              <a:rPr lang="zh-CN" altLang="en-US" smtClean="0"/>
+              <a:rPr lang="zh-CN" altLang="en-US"/>
               <a:t>第三级</a:t>
             </a:r>
           </a:p>
           <a:p>
             <a:pPr lvl="3"/>
             <a:r>
-              <a:rPr lang="zh-CN" altLang="en-US" smtClean="0"/>
+              <a:rPr lang="zh-CN" altLang="en-US"/>
               <a:t>第四级</a:t>
             </a:r>
           </a:p>
           <a:p>
             <a:pPr lvl="4"/>
             <a:r>
-              <a:rPr lang="zh-CN" altLang="en-US" smtClean="0"/>
+              <a:rPr lang="zh-CN" altLang="en-US"/>
               <a:t>第五级</a:t>
             </a:r>
-            <a:endParaRPr lang="zh-CN" altLang="en-US"/>
           </a:p>
         </p:txBody>
       </p:sp>
@@ -3568,7 +3526,7 @@
             <a:fld id="{E02B3E8B-F50A-4B69-8588-1529D30C5771}" type="datetimeFigureOut">
               <a:rPr lang="zh-CN" altLang="en-US" smtClean="0"/>
               <a:pPr/>
-              <a:t>2019/5/23 Thursday</a:t>
+              <a:t>2019/5/27</a:t>
             </a:fld>
             <a:endParaRPr lang="zh-CN" altLang="en-US"/>
           </a:p>
@@ -3667,10 +3625,9 @@
           </a:lstStyle>
           <a:p>
             <a:r>
-              <a:rPr lang="zh-CN" altLang="en-US" smtClean="0"/>
+              <a:rPr lang="zh-CN" altLang="en-US"/>
               <a:t>单击此处编辑母版标题样式</a:t>
             </a:r>
-            <a:endParaRPr lang="zh-CN" altLang="en-US"/>
           </a:p>
         </p:txBody>
       </p:sp>
@@ -3724,38 +3681,37 @@
           <a:p>
             <a:pPr lvl="0"/>
             <a:r>
-              <a:rPr lang="zh-CN" altLang="en-US" smtClean="0"/>
+              <a:rPr lang="zh-CN" altLang="en-US"/>
               <a:t>单击此处编辑母版文本样式</a:t>
             </a:r>
           </a:p>
           <a:p>
             <a:pPr lvl="1"/>
             <a:r>
-              <a:rPr lang="zh-CN" altLang="en-US" smtClean="0"/>
+              <a:rPr lang="zh-CN" altLang="en-US"/>
               <a:t>第二级</a:t>
             </a:r>
           </a:p>
           <a:p>
             <a:pPr lvl="2"/>
             <a:r>
-              <a:rPr lang="zh-CN" altLang="en-US" smtClean="0"/>
+              <a:rPr lang="zh-CN" altLang="en-US"/>
               <a:t>第三级</a:t>
             </a:r>
           </a:p>
           <a:p>
             <a:pPr lvl="3"/>
             <a:r>
-              <a:rPr lang="zh-CN" altLang="en-US" smtClean="0"/>
+              <a:rPr lang="zh-CN" altLang="en-US"/>
               <a:t>第四级</a:t>
             </a:r>
           </a:p>
           <a:p>
             <a:pPr lvl="4"/>
             <a:r>
-              <a:rPr lang="zh-CN" altLang="en-US" smtClean="0"/>
+              <a:rPr lang="zh-CN" altLang="en-US"/>
               <a:t>第五级</a:t>
             </a:r>
-            <a:endParaRPr lang="zh-CN" altLang="en-US"/>
           </a:p>
         </p:txBody>
       </p:sp>
@@ -3818,7 +3774,7 @@
           <a:p>
             <a:pPr lvl="0"/>
             <a:r>
-              <a:rPr lang="zh-CN" altLang="en-US" smtClean="0"/>
+              <a:rPr lang="zh-CN" altLang="en-US"/>
               <a:t>单击此处编辑母版文本样式</a:t>
             </a:r>
           </a:p>
@@ -3841,7 +3797,7 @@
           <a:p>
             <a:fld id="{E5ECFB5A-FE9D-484B-B66D-0B4EAA306AE4}" type="datetimeFigureOut">
               <a:rPr lang="zh-CN" altLang="en-US" smtClean="0"/>
-              <a:t>2019/5/23 Thursday</a:t>
+              <a:t>2019/5/27</a:t>
             </a:fld>
             <a:endParaRPr lang="zh-CN" altLang="en-US"/>
           </a:p>
@@ -3955,10 +3911,9 @@
           </a:lstStyle>
           <a:p>
             <a:r>
-              <a:rPr lang="zh-CN" altLang="en-US" smtClean="0"/>
+              <a:rPr lang="zh-CN" altLang="en-US"/>
               <a:t>单击此处编辑母版标题样式</a:t>
             </a:r>
-            <a:endParaRPr lang="zh-CN" altLang="en-US"/>
           </a:p>
         </p:txBody>
       </p:sp>
@@ -4082,7 +4037,7 @@
           <a:p>
             <a:pPr lvl="0"/>
             <a:r>
-              <a:rPr lang="zh-CN" altLang="en-US" smtClean="0"/>
+              <a:rPr lang="zh-CN" altLang="en-US"/>
               <a:t>单击此处编辑母版文本样式</a:t>
             </a:r>
           </a:p>
@@ -4105,7 +4060,7 @@
           <a:p>
             <a:fld id="{E5ECFB5A-FE9D-484B-B66D-0B4EAA306AE4}" type="datetimeFigureOut">
               <a:rPr lang="zh-CN" altLang="en-US" smtClean="0"/>
-              <a:t>2019/5/23 Thursday</a:t>
+              <a:t>2019/5/27</a:t>
             </a:fld>
             <a:endParaRPr lang="zh-CN" altLang="en-US"/>
           </a:p>
@@ -4210,10 +4165,9 @@
           <a:lstStyle/>
           <a:p>
             <a:r>
-              <a:rPr lang="zh-CN" altLang="en-US" smtClean="0"/>
+              <a:rPr lang="zh-CN" altLang="en-US"/>
               <a:t>单击此处编辑母版标题样式</a:t>
             </a:r>
-            <a:endParaRPr lang="zh-CN" altLang="en-US"/>
           </a:p>
         </p:txBody>
       </p:sp>
@@ -4234,38 +4188,37 @@
           <a:p>
             <a:pPr lvl="0"/>
             <a:r>
-              <a:rPr lang="zh-CN" altLang="en-US" smtClean="0"/>
+              <a:rPr lang="zh-CN" altLang="en-US"/>
               <a:t>单击此处编辑母版文本样式</a:t>
             </a:r>
           </a:p>
           <a:p>
             <a:pPr lvl="1"/>
             <a:r>
-              <a:rPr lang="zh-CN" altLang="en-US" smtClean="0"/>
+              <a:rPr lang="zh-CN" altLang="en-US"/>
               <a:t>第二级</a:t>
             </a:r>
           </a:p>
           <a:p>
             <a:pPr lvl="2"/>
             <a:r>
-              <a:rPr lang="zh-CN" altLang="en-US" smtClean="0"/>
+              <a:rPr lang="zh-CN" altLang="en-US"/>
               <a:t>第三级</a:t>
             </a:r>
           </a:p>
           <a:p>
             <a:pPr lvl="3"/>
             <a:r>
-              <a:rPr lang="zh-CN" altLang="en-US" smtClean="0"/>
+              <a:rPr lang="zh-CN" altLang="en-US"/>
               <a:t>第四级</a:t>
             </a:r>
           </a:p>
           <a:p>
             <a:pPr lvl="4"/>
             <a:r>
-              <a:rPr lang="zh-CN" altLang="en-US" smtClean="0"/>
+              <a:rPr lang="zh-CN" altLang="en-US"/>
               <a:t>第五级</a:t>
             </a:r>
-            <a:endParaRPr lang="zh-CN" altLang="en-US"/>
           </a:p>
         </p:txBody>
       </p:sp>
@@ -4286,7 +4239,7 @@
           <a:p>
             <a:fld id="{E5ECFB5A-FE9D-484B-B66D-0B4EAA306AE4}" type="datetimeFigureOut">
               <a:rPr lang="zh-CN" altLang="en-US" smtClean="0"/>
-              <a:t>2019/5/23 Thursday</a:t>
+              <a:t>2019/5/27</a:t>
             </a:fld>
             <a:endParaRPr lang="zh-CN" altLang="en-US"/>
           </a:p>
@@ -4396,10 +4349,9 @@
           <a:lstStyle/>
           <a:p>
             <a:r>
-              <a:rPr lang="zh-CN" altLang="en-US" smtClean="0"/>
+              <a:rPr lang="zh-CN" altLang="en-US"/>
               <a:t>单击此处编辑母版标题样式</a:t>
             </a:r>
-            <a:endParaRPr lang="zh-CN" altLang="en-US"/>
           </a:p>
         </p:txBody>
       </p:sp>
@@ -4425,38 +4377,37 @@
           <a:p>
             <a:pPr lvl="0"/>
             <a:r>
-              <a:rPr lang="zh-CN" altLang="en-US" smtClean="0"/>
+              <a:rPr lang="zh-CN" altLang="en-US"/>
               <a:t>单击此处编辑母版文本样式</a:t>
             </a:r>
           </a:p>
           <a:p>
             <a:pPr lvl="1"/>
             <a:r>
-              <a:rPr lang="zh-CN" altLang="en-US" smtClean="0"/>
+              <a:rPr lang="zh-CN" altLang="en-US"/>
               <a:t>第二级</a:t>
             </a:r>
           </a:p>
           <a:p>
             <a:pPr lvl="2"/>
             <a:r>
-              <a:rPr lang="zh-CN" altLang="en-US" smtClean="0"/>
+              <a:rPr lang="zh-CN" altLang="en-US"/>
               <a:t>第三级</a:t>
             </a:r>
           </a:p>
           <a:p>
             <a:pPr lvl="3"/>
             <a:r>
-              <a:rPr lang="zh-CN" altLang="en-US" smtClean="0"/>
+              <a:rPr lang="zh-CN" altLang="en-US"/>
               <a:t>第四级</a:t>
             </a:r>
           </a:p>
           <a:p>
             <a:pPr lvl="4"/>
             <a:r>
-              <a:rPr lang="zh-CN" altLang="en-US" smtClean="0"/>
+              <a:rPr lang="zh-CN" altLang="en-US"/>
               <a:t>第五级</a:t>
             </a:r>
-            <a:endParaRPr lang="zh-CN" altLang="en-US"/>
           </a:p>
         </p:txBody>
       </p:sp>
@@ -4477,7 +4428,7 @@
           <a:p>
             <a:fld id="{E5ECFB5A-FE9D-484B-B66D-0B4EAA306AE4}" type="datetimeFigureOut">
               <a:rPr lang="zh-CN" altLang="en-US" smtClean="0"/>
-              <a:t>2019/5/23 Thursday</a:t>
+              <a:t>2019/5/27</a:t>
             </a:fld>
             <a:endParaRPr lang="zh-CN" altLang="en-US"/>
           </a:p>
@@ -4591,10 +4542,9 @@
           </a:lstStyle>
           <a:p>
             <a:r>
-              <a:rPr lang="zh-CN" altLang="en-US" smtClean="0"/>
+              <a:rPr lang="zh-CN" altLang="en-US"/>
               <a:t>单击此处编辑母版标题样式</a:t>
             </a:r>
-            <a:endParaRPr lang="zh-CN" altLang="en-US"/>
           </a:p>
         </p:txBody>
       </p:sp>
@@ -4714,7 +4664,7 @@
           <a:p>
             <a:pPr lvl="0"/>
             <a:r>
-              <a:rPr lang="zh-CN" altLang="en-US" smtClean="0"/>
+              <a:rPr lang="zh-CN" altLang="en-US"/>
               <a:t>单击此处编辑母版文本样式</a:t>
             </a:r>
           </a:p>
@@ -4738,7 +4688,7 @@
             <a:fld id="{E02B3E8B-F50A-4B69-8588-1529D30C5771}" type="datetimeFigureOut">
               <a:rPr lang="zh-CN" altLang="en-US" smtClean="0"/>
               <a:pPr/>
-              <a:t>2019/5/23 Thursday</a:t>
+              <a:t>2019/5/27</a:t>
             </a:fld>
             <a:endParaRPr lang="zh-CN" altLang="en-US"/>
           </a:p>
@@ -4828,10 +4778,9 @@
           <a:lstStyle/>
           <a:p>
             <a:r>
-              <a:rPr lang="zh-CN" altLang="en-US" smtClean="0"/>
+              <a:rPr lang="zh-CN" altLang="en-US"/>
               <a:t>单击此处编辑母版标题样式</a:t>
             </a:r>
-            <a:endParaRPr lang="zh-CN" altLang="en-US"/>
           </a:p>
         </p:txBody>
       </p:sp>
@@ -4888,38 +4837,37 @@
           <a:p>
             <a:pPr lvl="0"/>
             <a:r>
-              <a:rPr lang="zh-CN" altLang="en-US" smtClean="0"/>
+              <a:rPr lang="zh-CN" altLang="en-US"/>
               <a:t>单击此处编辑母版文本样式</a:t>
             </a:r>
           </a:p>
           <a:p>
             <a:pPr lvl="1"/>
             <a:r>
-              <a:rPr lang="zh-CN" altLang="en-US" smtClean="0"/>
+              <a:rPr lang="zh-CN" altLang="en-US"/>
               <a:t>第二级</a:t>
             </a:r>
           </a:p>
           <a:p>
             <a:pPr lvl="2"/>
             <a:r>
-              <a:rPr lang="zh-CN" altLang="en-US" smtClean="0"/>
+              <a:rPr lang="zh-CN" altLang="en-US"/>
               <a:t>第三级</a:t>
             </a:r>
           </a:p>
           <a:p>
             <a:pPr lvl="3"/>
             <a:r>
-              <a:rPr lang="zh-CN" altLang="en-US" smtClean="0"/>
+              <a:rPr lang="zh-CN" altLang="en-US"/>
               <a:t>第四级</a:t>
             </a:r>
           </a:p>
           <a:p>
             <a:pPr lvl="4"/>
             <a:r>
-              <a:rPr lang="zh-CN" altLang="en-US" smtClean="0"/>
+              <a:rPr lang="zh-CN" altLang="en-US"/>
               <a:t>第五级</a:t>
             </a:r>
-            <a:endParaRPr lang="zh-CN" altLang="en-US"/>
           </a:p>
         </p:txBody>
       </p:sp>
@@ -4976,38 +4924,37 @@
           <a:p>
             <a:pPr lvl="0"/>
             <a:r>
-              <a:rPr lang="zh-CN" altLang="en-US" smtClean="0"/>
+              <a:rPr lang="zh-CN" altLang="en-US"/>
               <a:t>单击此处编辑母版文本样式</a:t>
             </a:r>
           </a:p>
           <a:p>
             <a:pPr lvl="1"/>
             <a:r>
-              <a:rPr lang="zh-CN" altLang="en-US" smtClean="0"/>
+              <a:rPr lang="zh-CN" altLang="en-US"/>
               <a:t>第二级</a:t>
             </a:r>
           </a:p>
           <a:p>
             <a:pPr lvl="2"/>
             <a:r>
-              <a:rPr lang="zh-CN" altLang="en-US" smtClean="0"/>
+              <a:rPr lang="zh-CN" altLang="en-US"/>
               <a:t>第三级</a:t>
             </a:r>
           </a:p>
           <a:p>
             <a:pPr lvl="3"/>
             <a:r>
-              <a:rPr lang="zh-CN" altLang="en-US" smtClean="0"/>
+              <a:rPr lang="zh-CN" altLang="en-US"/>
               <a:t>第四级</a:t>
             </a:r>
           </a:p>
           <a:p>
             <a:pPr lvl="4"/>
             <a:r>
-              <a:rPr lang="zh-CN" altLang="en-US" smtClean="0"/>
+              <a:rPr lang="zh-CN" altLang="en-US"/>
               <a:t>第五级</a:t>
             </a:r>
-            <a:endParaRPr lang="zh-CN" altLang="en-US"/>
           </a:p>
         </p:txBody>
       </p:sp>
@@ -5029,7 +4976,7 @@
             <a:fld id="{E02B3E8B-F50A-4B69-8588-1529D30C5771}" type="datetimeFigureOut">
               <a:rPr lang="zh-CN" altLang="en-US" smtClean="0"/>
               <a:pPr/>
-              <a:t>2019/5/23 Thursday</a:t>
+              <a:t>2019/5/27</a:t>
             </a:fld>
             <a:endParaRPr lang="zh-CN" altLang="en-US"/>
           </a:p>
@@ -5123,10 +5070,9 @@
           </a:lstStyle>
           <a:p>
             <a:r>
-              <a:rPr lang="zh-CN" altLang="en-US" smtClean="0"/>
+              <a:rPr lang="zh-CN" altLang="en-US"/>
               <a:t>单击此处编辑母版标题样式</a:t>
             </a:r>
-            <a:endParaRPr lang="zh-CN" altLang="en-US"/>
           </a:p>
         </p:txBody>
       </p:sp>
@@ -5192,7 +5138,7 @@
           <a:p>
             <a:pPr lvl="0"/>
             <a:r>
-              <a:rPr lang="zh-CN" altLang="en-US" smtClean="0"/>
+              <a:rPr lang="zh-CN" altLang="en-US"/>
               <a:t>单击此处编辑母版文本样式</a:t>
             </a:r>
           </a:p>
@@ -5251,38 +5197,37 @@
           <a:p>
             <a:pPr lvl="0"/>
             <a:r>
-              <a:rPr lang="zh-CN" altLang="en-US" smtClean="0"/>
+              <a:rPr lang="zh-CN" altLang="en-US"/>
               <a:t>单击此处编辑母版文本样式</a:t>
             </a:r>
           </a:p>
           <a:p>
             <a:pPr lvl="1"/>
             <a:r>
-              <a:rPr lang="zh-CN" altLang="en-US" smtClean="0"/>
+              <a:rPr lang="zh-CN" altLang="en-US"/>
               <a:t>第二级</a:t>
             </a:r>
           </a:p>
           <a:p>
             <a:pPr lvl="2"/>
             <a:r>
-              <a:rPr lang="zh-CN" altLang="en-US" smtClean="0"/>
+              <a:rPr lang="zh-CN" altLang="en-US"/>
               <a:t>第三级</a:t>
             </a:r>
           </a:p>
           <a:p>
             <a:pPr lvl="3"/>
             <a:r>
-              <a:rPr lang="zh-CN" altLang="en-US" smtClean="0"/>
+              <a:rPr lang="zh-CN" altLang="en-US"/>
               <a:t>第四级</a:t>
             </a:r>
           </a:p>
           <a:p>
             <a:pPr lvl="4"/>
             <a:r>
-              <a:rPr lang="zh-CN" altLang="en-US" smtClean="0"/>
+              <a:rPr lang="zh-CN" altLang="en-US"/>
               <a:t>第五级</a:t>
             </a:r>
-            <a:endParaRPr lang="zh-CN" altLang="en-US"/>
           </a:p>
         </p:txBody>
       </p:sp>
@@ -5348,7 +5293,7 @@
           <a:p>
             <a:pPr lvl="0"/>
             <a:r>
-              <a:rPr lang="zh-CN" altLang="en-US" smtClean="0"/>
+              <a:rPr lang="zh-CN" altLang="en-US"/>
               <a:t>单击此处编辑母版文本样式</a:t>
             </a:r>
           </a:p>
@@ -5407,38 +5352,37 @@
           <a:p>
             <a:pPr lvl="0"/>
             <a:r>
-              <a:rPr lang="zh-CN" altLang="en-US" smtClean="0"/>
+              <a:rPr lang="zh-CN" altLang="en-US"/>
               <a:t>单击此处编辑母版文本样式</a:t>
             </a:r>
           </a:p>
           <a:p>
             <a:pPr lvl="1"/>
             <a:r>
-              <a:rPr lang="zh-CN" altLang="en-US" smtClean="0"/>
+              <a:rPr lang="zh-CN" altLang="en-US"/>
               <a:t>第二级</a:t>
             </a:r>
           </a:p>
           <a:p>
             <a:pPr lvl="2"/>
             <a:r>
-              <a:rPr lang="zh-CN" altLang="en-US" smtClean="0"/>
+              <a:rPr lang="zh-CN" altLang="en-US"/>
               <a:t>第三级</a:t>
             </a:r>
           </a:p>
           <a:p>
             <a:pPr lvl="3"/>
             <a:r>
-              <a:rPr lang="zh-CN" altLang="en-US" smtClean="0"/>
+              <a:rPr lang="zh-CN" altLang="en-US"/>
               <a:t>第四级</a:t>
             </a:r>
           </a:p>
           <a:p>
             <a:pPr lvl="4"/>
             <a:r>
-              <a:rPr lang="zh-CN" altLang="en-US" smtClean="0"/>
+              <a:rPr lang="zh-CN" altLang="en-US"/>
               <a:t>第五级</a:t>
             </a:r>
-            <a:endParaRPr lang="zh-CN" altLang="en-US"/>
           </a:p>
         </p:txBody>
       </p:sp>
@@ -5460,7 +5404,7 @@
             <a:fld id="{E02B3E8B-F50A-4B69-8588-1529D30C5771}" type="datetimeFigureOut">
               <a:rPr lang="zh-CN" altLang="en-US" smtClean="0"/>
               <a:pPr/>
-              <a:t>2019/5/23 Thursday</a:t>
+              <a:t>2019/5/27</a:t>
             </a:fld>
             <a:endParaRPr lang="zh-CN" altLang="en-US"/>
           </a:p>
@@ -5550,10 +5494,9 @@
           <a:lstStyle/>
           <a:p>
             <a:r>
-              <a:rPr lang="zh-CN" altLang="en-US" smtClean="0"/>
+              <a:rPr lang="zh-CN" altLang="en-US"/>
               <a:t>单击此处编辑母版标题样式</a:t>
             </a:r>
-            <a:endParaRPr lang="zh-CN" altLang="en-US"/>
           </a:p>
         </p:txBody>
       </p:sp>
@@ -5575,7 +5518,7 @@
             <a:fld id="{E02B3E8B-F50A-4B69-8588-1529D30C5771}" type="datetimeFigureOut">
               <a:rPr lang="zh-CN" altLang="en-US" smtClean="0"/>
               <a:pPr/>
-              <a:t>2019/5/23 Thursday</a:t>
+              <a:t>2019/5/27</a:t>
             </a:fld>
             <a:endParaRPr lang="zh-CN" altLang="en-US"/>
           </a:p>
@@ -5667,7 +5610,7 @@
             <a:fld id="{E02B3E8B-F50A-4B69-8588-1529D30C5771}" type="datetimeFigureOut">
               <a:rPr lang="zh-CN" altLang="en-US" smtClean="0"/>
               <a:pPr/>
-              <a:t>2019/5/23 Thursday</a:t>
+              <a:t>2019/5/27</a:t>
             </a:fld>
             <a:endParaRPr lang="zh-CN" altLang="en-US"/>
           </a:p>
@@ -5766,10 +5709,9 @@
           </a:lstStyle>
           <a:p>
             <a:r>
-              <a:rPr lang="zh-CN" altLang="en-US" smtClean="0"/>
+              <a:rPr lang="zh-CN" altLang="en-US"/>
               <a:t>单击此处编辑母版标题样式</a:t>
             </a:r>
-            <a:endParaRPr lang="zh-CN" altLang="en-US"/>
           </a:p>
         </p:txBody>
       </p:sp>
@@ -5826,38 +5768,37 @@
           <a:p>
             <a:pPr lvl="0"/>
             <a:r>
-              <a:rPr lang="zh-CN" altLang="en-US" smtClean="0"/>
+              <a:rPr lang="zh-CN" altLang="en-US"/>
               <a:t>单击此处编辑母版文本样式</a:t>
             </a:r>
           </a:p>
           <a:p>
             <a:pPr lvl="1"/>
             <a:r>
-              <a:rPr lang="zh-CN" altLang="en-US" smtClean="0"/>
+              <a:rPr lang="zh-CN" altLang="en-US"/>
               <a:t>第二级</a:t>
             </a:r>
           </a:p>
           <a:p>
             <a:pPr lvl="2"/>
             <a:r>
-              <a:rPr lang="zh-CN" altLang="en-US" smtClean="0"/>
+              <a:rPr lang="zh-CN" altLang="en-US"/>
               <a:t>第三级</a:t>
             </a:r>
           </a:p>
           <a:p>
             <a:pPr lvl="3"/>
             <a:r>
-              <a:rPr lang="zh-CN" altLang="en-US" smtClean="0"/>
+              <a:rPr lang="zh-CN" altLang="en-US"/>
               <a:t>第四级</a:t>
             </a:r>
           </a:p>
           <a:p>
             <a:pPr lvl="4"/>
             <a:r>
-              <a:rPr lang="zh-CN" altLang="en-US" smtClean="0"/>
+              <a:rPr lang="zh-CN" altLang="en-US"/>
               <a:t>第五级</a:t>
             </a:r>
-            <a:endParaRPr lang="zh-CN" altLang="en-US"/>
           </a:p>
         </p:txBody>
       </p:sp>
@@ -5923,7 +5864,7 @@
           <a:p>
             <a:pPr lvl="0"/>
             <a:r>
-              <a:rPr lang="zh-CN" altLang="en-US" smtClean="0"/>
+              <a:rPr lang="zh-CN" altLang="en-US"/>
               <a:t>单击此处编辑母版文本样式</a:t>
             </a:r>
           </a:p>
@@ -5947,7 +5888,7 @@
             <a:fld id="{E02B3E8B-F50A-4B69-8588-1529D30C5771}" type="datetimeFigureOut">
               <a:rPr lang="zh-CN" altLang="en-US" smtClean="0"/>
               <a:pPr/>
-              <a:t>2019/5/23 Thursday</a:t>
+              <a:t>2019/5/27</a:t>
             </a:fld>
             <a:endParaRPr lang="zh-CN" altLang="en-US"/>
           </a:p>
@@ -6046,10 +5987,9 @@
           </a:lstStyle>
           <a:p>
             <a:r>
-              <a:rPr lang="zh-CN" altLang="en-US" smtClean="0"/>
+              <a:rPr lang="zh-CN" altLang="en-US"/>
               <a:t>单击此处编辑母版标题样式</a:t>
             </a:r>
-            <a:endParaRPr lang="zh-CN" altLang="en-US"/>
           </a:p>
         </p:txBody>
       </p:sp>
@@ -6179,7 +6119,7 @@
           <a:p>
             <a:pPr lvl="0"/>
             <a:r>
-              <a:rPr lang="zh-CN" altLang="en-US" smtClean="0"/>
+              <a:rPr lang="zh-CN" altLang="en-US"/>
               <a:t>单击此处编辑母版文本样式</a:t>
             </a:r>
           </a:p>
@@ -6203,7 +6143,7 @@
             <a:fld id="{E02B3E8B-F50A-4B69-8588-1529D30C5771}" type="datetimeFigureOut">
               <a:rPr lang="zh-CN" altLang="en-US" smtClean="0"/>
               <a:pPr/>
-              <a:t>2019/5/23 Thursday</a:t>
+              <a:t>2019/5/27</a:t>
             </a:fld>
             <a:endParaRPr lang="zh-CN" altLang="en-US"/>
           </a:p>
@@ -6308,10 +6248,9 @@
           <a:lstStyle/>
           <a:p>
             <a:r>
-              <a:rPr lang="zh-CN" altLang="en-US" dirty="0" smtClean="0"/>
+              <a:rPr lang="zh-CN" altLang="en-US" dirty="0"/>
               <a:t>单击此处编辑母版标题样式</a:t>
             </a:r>
-            <a:endParaRPr lang="zh-CN" altLang="en-US" dirty="0"/>
           </a:p>
         </p:txBody>
       </p:sp>
@@ -6351,7 +6290,7 @@
             <a:fld id="{E02B3E8B-F50A-4B69-8588-1529D30C5771}" type="datetimeFigureOut">
               <a:rPr lang="zh-CN" altLang="en-US" smtClean="0"/>
               <a:pPr/>
-              <a:t>2019/5/23 Thursday</a:t>
+              <a:t>2019/5/27</a:t>
             </a:fld>
             <a:endParaRPr lang="zh-CN" altLang="en-US" dirty="0"/>
           </a:p>
@@ -6788,10 +6727,9 @@
           <a:lstStyle/>
           <a:p>
             <a:r>
-              <a:rPr lang="zh-CN" altLang="en-US" smtClean="0"/>
+              <a:rPr lang="zh-CN" altLang="en-US"/>
               <a:t>单击此处编辑母版标题样式</a:t>
             </a:r>
-            <a:endParaRPr lang="zh-CN" altLang="en-US"/>
           </a:p>
         </p:txBody>
       </p:sp>
@@ -6822,38 +6760,37 @@
           <a:p>
             <a:pPr lvl="0"/>
             <a:r>
-              <a:rPr lang="zh-CN" altLang="en-US" dirty="0" smtClean="0"/>
+              <a:rPr lang="zh-CN" altLang="en-US" dirty="0"/>
               <a:t>单击此处编辑母版文本样式</a:t>
             </a:r>
           </a:p>
           <a:p>
             <a:pPr lvl="1"/>
             <a:r>
-              <a:rPr lang="zh-CN" altLang="en-US" dirty="0" smtClean="0"/>
+              <a:rPr lang="zh-CN" altLang="en-US" dirty="0"/>
               <a:t>第二级</a:t>
             </a:r>
           </a:p>
           <a:p>
             <a:pPr lvl="2"/>
             <a:r>
-              <a:rPr lang="zh-CN" altLang="en-US" dirty="0" smtClean="0"/>
+              <a:rPr lang="zh-CN" altLang="en-US" dirty="0"/>
               <a:t>第三级</a:t>
             </a:r>
           </a:p>
           <a:p>
             <a:pPr lvl="3"/>
             <a:r>
-              <a:rPr lang="zh-CN" altLang="en-US" dirty="0" smtClean="0"/>
+              <a:rPr lang="zh-CN" altLang="en-US" dirty="0"/>
               <a:t>第四级</a:t>
             </a:r>
           </a:p>
           <a:p>
             <a:pPr lvl="4"/>
             <a:r>
-              <a:rPr lang="zh-CN" altLang="en-US" dirty="0" smtClean="0"/>
+              <a:rPr lang="zh-CN" altLang="en-US" dirty="0"/>
               <a:t>第五级</a:t>
             </a:r>
-            <a:endParaRPr lang="zh-CN" altLang="en-US" dirty="0"/>
           </a:p>
         </p:txBody>
       </p:sp>
@@ -6892,7 +6829,7 @@
           <a:p>
             <a:fld id="{E5ECFB5A-FE9D-484B-B66D-0B4EAA306AE4}" type="datetimeFigureOut">
               <a:rPr lang="zh-CN" altLang="en-US" smtClean="0"/>
-              <a:t>2019/5/23 Thursday</a:t>
+              <a:t>2019/5/27</a:t>
             </a:fld>
             <a:endParaRPr lang="zh-CN" altLang="en-US" dirty="0"/>
           </a:p>
@@ -6981,45 +6918,8 @@
                 <a:latin typeface="幼圆" pitchFamily="49" charset="-122"/>
                 <a:ea typeface="幼圆" pitchFamily="49" charset="-122"/>
               </a:rPr>
-              <a:t>复旦大学 </a:t>
-            </a:r>
-            <a:r>
-              <a:rPr lang="zh-CN" altLang="en-US" sz="2800" b="0" i="0" dirty="0" smtClean="0">
-                <a:solidFill>
-                  <a:schemeClr val="bg1"/>
-                </a:solidFill>
-                <a:latin typeface="幼圆" pitchFamily="49" charset="-122"/>
-                <a:ea typeface="幼圆" pitchFamily="49" charset="-122"/>
-              </a:rPr>
-              <a:t>计</a:t>
-            </a:r>
-            <a:r>
-              <a:rPr lang="zh-CN" altLang="en-US" sz="2800" b="0" i="0" dirty="0">
-                <a:solidFill>
-                  <a:schemeClr val="bg1"/>
-                </a:solidFill>
-                <a:latin typeface="幼圆" pitchFamily="49" charset="-122"/>
-                <a:ea typeface="幼圆" pitchFamily="49" charset="-122"/>
-              </a:rPr>
-              <a:t>算机科学技术学</a:t>
-            </a:r>
-            <a:r>
-              <a:rPr lang="zh-CN" altLang="en-US" sz="2800" b="0" i="0" dirty="0" smtClean="0">
-                <a:solidFill>
-                  <a:schemeClr val="bg1"/>
-                </a:solidFill>
-                <a:latin typeface="幼圆" pitchFamily="49" charset="-122"/>
-                <a:ea typeface="幼圆" pitchFamily="49" charset="-122"/>
-              </a:rPr>
-              <a:t>院 多媒体计算组</a:t>
-            </a:r>
-            <a:endParaRPr lang="zh-CN" altLang="en-US" sz="2800" b="0" i="0" dirty="0">
-              <a:solidFill>
-                <a:schemeClr val="bg1"/>
-              </a:solidFill>
-              <a:latin typeface="幼圆" pitchFamily="49" charset="-122"/>
-              <a:ea typeface="幼圆" pitchFamily="49" charset="-122"/>
-            </a:endParaRPr>
+              <a:t>复旦大学 计算机科学技术学院 自然语言处理组</a:t>
+            </a:r>
           </a:p>
         </p:txBody>
       </p:sp>
@@ -7327,7 +7227,7 @@
           <a:lstStyle/>
           <a:p>
             <a:r>
-              <a:rPr lang="en-US" altLang="zh-CN" dirty="0" smtClean="0"/>
+              <a:rPr lang="en-US" altLang="zh-CN" dirty="0"/>
               <a:t>Named Entity Recognition using Positive-Unlabeled Learning</a:t>
             </a:r>
             <a:endParaRPr lang="zh-CN" altLang="en-US" dirty="0"/>
@@ -7352,91 +7252,91 @@
           <a:lstStyle/>
           <a:p>
             <a:r>
-              <a:rPr lang="en-US" altLang="zh-CN" sz="2900" b="1" i="1" u="sng" dirty="0" err="1" smtClean="0"/>
+              <a:rPr lang="en-US" altLang="zh-CN" sz="2900" b="1" i="1" u="sng" dirty="0" err="1"/>
               <a:t>Minlong</a:t>
             </a:r>
             <a:r>
-              <a:rPr lang="en-US" altLang="zh-CN" sz="2900" b="1" i="1" u="sng" dirty="0" smtClean="0"/>
+              <a:rPr lang="en-US" altLang="zh-CN" sz="2900" b="1" i="1" u="sng" dirty="0"/>
               <a:t> </a:t>
             </a:r>
             <a:r>
-              <a:rPr lang="en-US" altLang="zh-CN" sz="2900" b="1" i="1" u="sng" dirty="0" err="1" smtClean="0"/>
+              <a:rPr lang="en-US" altLang="zh-CN" sz="2900" b="1" i="1" u="sng" dirty="0" err="1"/>
               <a:t>Peng</a:t>
             </a:r>
             <a:r>
-              <a:rPr lang="en-US" altLang="zh-CN" sz="2900" i="1" dirty="0" smtClean="0"/>
+              <a:rPr lang="en-US" altLang="zh-CN" sz="2900" i="1" dirty="0"/>
               <a:t>, </a:t>
             </a:r>
             <a:r>
-              <a:rPr lang="en-US" altLang="zh-CN" sz="2900" i="1" dirty="0" err="1" smtClean="0"/>
+              <a:rPr lang="en-US" altLang="zh-CN" sz="2900" i="1" dirty="0" err="1"/>
               <a:t>Xiaoyu</a:t>
             </a:r>
             <a:r>
-              <a:rPr lang="en-US" altLang="zh-CN" sz="2900" i="1" dirty="0" smtClean="0"/>
+              <a:rPr lang="en-US" altLang="zh-CN" sz="2900" i="1" dirty="0"/>
               <a:t> Xing, </a:t>
             </a:r>
             <a:r>
-              <a:rPr lang="en-US" altLang="zh-CN" sz="2900" i="1" dirty="0" smtClean="0">
+              <a:rPr lang="en-US" altLang="zh-CN" sz="2900" i="1" dirty="0">
                 <a:hlinkClick r:id="rId2"/>
               </a:rPr>
               <a:t>Qi Zhang</a:t>
             </a:r>
             <a:r>
-              <a:rPr lang="en-US" altLang="zh-CN" sz="2900" i="1" dirty="0" smtClean="0"/>
+              <a:rPr lang="en-US" altLang="zh-CN" sz="2900" i="1" dirty="0"/>
               <a:t>, </a:t>
             </a:r>
             <a:r>
-              <a:rPr lang="en-US" altLang="zh-CN" sz="2900" i="1" dirty="0" err="1" smtClean="0"/>
+              <a:rPr lang="en-US" altLang="zh-CN" sz="2900" i="1" dirty="0" err="1"/>
               <a:t>Jinlan</a:t>
             </a:r>
             <a:r>
-              <a:rPr lang="en-US" altLang="zh-CN" sz="2900" i="1" dirty="0" smtClean="0"/>
+              <a:rPr lang="en-US" altLang="zh-CN" sz="2900" i="1" dirty="0"/>
               <a:t> Fu, </a:t>
             </a:r>
             <a:r>
-              <a:rPr lang="en-US" altLang="zh-CN" sz="2900" i="1" dirty="0" smtClean="0">
+              <a:rPr lang="en-US" altLang="zh-CN" sz="2900" i="1" dirty="0">
                 <a:hlinkClick r:id="rId3"/>
               </a:rPr>
               <a:t>Xuanjing Huang</a:t>
             </a:r>
-            <a:endParaRPr lang="en-US" altLang="zh-CN" sz="2900" i="1" dirty="0" smtClean="0"/>
-          </a:p>
-          <a:p>
-            <a:r>
-              <a:rPr lang="en-US" altLang="zh-CN" i="1" dirty="0" err="1" smtClean="0"/>
+            <a:endParaRPr lang="en-US" altLang="zh-CN" sz="2900" i="1" dirty="0"/>
+          </a:p>
+          <a:p>
+            <a:r>
+              <a:rPr lang="en-US" altLang="zh-CN" i="1" dirty="0" err="1"/>
               <a:t>Fudan</a:t>
             </a:r>
             <a:r>
-              <a:rPr lang="en-US" altLang="zh-CN" i="1" dirty="0" smtClean="0"/>
+              <a:rPr lang="en-US" altLang="zh-CN" i="1" dirty="0"/>
               <a:t> University</a:t>
             </a:r>
           </a:p>
           <a:p>
             <a:r>
-              <a:rPr lang="en-US" altLang="zh-CN" i="1" dirty="0" smtClean="0"/>
+              <a:rPr lang="en-US" altLang="zh-CN" i="1" dirty="0"/>
               <a:t>{Mlpeng16, xyxing18, </a:t>
             </a:r>
             <a:r>
-              <a:rPr lang="en-US" altLang="zh-CN" i="1" dirty="0" err="1" smtClean="0"/>
+              <a:rPr lang="en-US" altLang="zh-CN" i="1" dirty="0" err="1"/>
               <a:t>qz</a:t>
             </a:r>
             <a:r>
-              <a:rPr lang="en-US" altLang="zh-CN" i="1" dirty="0" smtClean="0"/>
+              <a:rPr lang="en-US" altLang="zh-CN" i="1" dirty="0"/>
               <a:t>, fujl16, </a:t>
             </a:r>
             <a:r>
-              <a:rPr lang="en-US" altLang="zh-CN" i="1" dirty="0" err="1" smtClean="0"/>
+              <a:rPr lang="en-US" altLang="zh-CN" i="1" dirty="0" err="1"/>
               <a:t>xjhuang</a:t>
             </a:r>
             <a:r>
-              <a:rPr lang="en-US" altLang="zh-CN" i="1" dirty="0" smtClean="0"/>
+              <a:rPr lang="en-US" altLang="zh-CN" i="1" dirty="0"/>
               <a:t>}@</a:t>
             </a:r>
             <a:r>
-              <a:rPr lang="en-US" altLang="zh-CN" i="1" dirty="0" err="1" smtClean="0"/>
+              <a:rPr lang="en-US" altLang="zh-CN" i="1" dirty="0" err="1"/>
               <a:t>fudan.edu.cn</a:t>
             </a:r>
-            <a:endParaRPr lang="en-US" altLang="zh-CN" i="1" dirty="0" smtClean="0"/>
+            <a:endParaRPr lang="en-US" altLang="zh-CN" i="1" dirty="0"/>
           </a:p>
           <a:p>
             <a:endParaRPr lang="zh-CN" altLang="en-US" dirty="0"/>
@@ -7448,13 +7348,6 @@
   <p:clrMapOvr>
     <a:masterClrMapping/>
   </p:clrMapOvr>
-  <p:timing>
-    <p:tnLst>
-      <p:par>
-        <p:cTn id="1" dur="indefinite" restart="never" nodeType="tmRoot"/>
-      </p:par>
-    </p:tnLst>
-  </p:timing>
 </p:sld>
 </file>
 
@@ -7493,7 +7386,7 @@
           <a:lstStyle/>
           <a:p>
             <a:r>
-              <a:rPr lang="en-US" altLang="zh-CN" dirty="0" smtClean="0"/>
+              <a:rPr lang="en-US" altLang="zh-CN" dirty="0"/>
               <a:t>Implementation Detail</a:t>
             </a:r>
             <a:endParaRPr lang="zh-CN" altLang="en-US" dirty="0"/>
@@ -7523,7 +7416,7 @@
           <a:lstStyle/>
           <a:p>
             <a:r>
-              <a:rPr lang="en-US" altLang="zh-CN" dirty="0" smtClean="0">
+              <a:rPr lang="en-US" altLang="zh-CN" dirty="0">
                 <a:latin typeface="Arial"/>
               </a:rPr>
               <a:t>1. Character-level CNN + word embedding + binary features for word representation.</a:t>
@@ -7531,19 +7424,19 @@
           </a:p>
           <a:p>
             <a:r>
-              <a:rPr lang="en-US" altLang="zh-CN" b="0" i="0" dirty="0" smtClean="0">
+              <a:rPr lang="en-US" altLang="zh-CN" b="0" i="0" dirty="0">
                 <a:latin typeface="Arial"/>
               </a:rPr>
               <a:t>2. </a:t>
             </a:r>
             <a:r>
-              <a:rPr lang="en-US" altLang="zh-CN" b="0" i="0" dirty="0" err="1" smtClean="0">
+              <a:rPr lang="en-US" altLang="zh-CN" b="0" i="0" dirty="0" err="1">
                 <a:latin typeface="Arial"/>
               </a:rPr>
               <a:t>BiLSTM</a:t>
             </a:r>
             <a:r>
-              <a:rPr lang="en-US" altLang="zh-CN" b="0" i="0" dirty="0" smtClean="0">
+              <a:rPr lang="en-US" altLang="zh-CN" b="0" i="0" dirty="0">
                 <a:latin typeface="Arial"/>
               </a:rPr>
               <a:t> for sequence modeling.</a:t>
@@ -7574,21 +7467,21 @@
           <a:lstStyle/>
           <a:p>
             <a:r>
-              <a:rPr lang="en-US" altLang="zh-CN" sz="3200" dirty="0" smtClean="0">
+              <a:rPr lang="en-US" altLang="zh-CN" sz="3200" dirty="0">
                 <a:latin typeface="+mj-lt"/>
                 <a:ea typeface="+mj-ea"/>
               </a:rPr>
               <a:t>Classifier </a:t>
             </a:r>
             <a:r>
-              <a:rPr lang="en-US" altLang="zh-CN" sz="3200" i="1" dirty="0" smtClean="0">
+              <a:rPr lang="en-US" altLang="zh-CN" sz="3200" i="1" dirty="0">
                 <a:latin typeface="+mj-lt"/>
                 <a:ea typeface="+mj-ea"/>
               </a:rPr>
               <a:t>f</a:t>
             </a:r>
             <a:r>
-              <a:rPr lang="en-US" altLang="zh-CN" sz="2800" dirty="0" smtClean="0">
+              <a:rPr lang="en-US" altLang="zh-CN" sz="2800" dirty="0">
                 <a:latin typeface="+mj-lt"/>
                 <a:ea typeface="+mj-ea"/>
               </a:rPr>
@@ -7606,13 +7499,6 @@
   <p:clrMapOvr>
     <a:masterClrMapping/>
   </p:clrMapOvr>
-  <p:timing>
-    <p:tnLst>
-      <p:par>
-        <p:cTn id="1" dur="indefinite" restart="never" nodeType="tmRoot"/>
-      </p:par>
-    </p:tnLst>
-  </p:timing>
 </p:sld>
 </file>
 
@@ -7651,7 +7537,7 @@
           <a:lstStyle/>
           <a:p>
             <a:r>
-              <a:rPr lang="en-US" altLang="zh-CN" dirty="0" smtClean="0"/>
+              <a:rPr lang="en-US" altLang="zh-CN" dirty="0"/>
               <a:t>Implementation Detail</a:t>
             </a:r>
             <a:endParaRPr lang="zh-CN" altLang="en-US" dirty="0"/>
@@ -7684,7 +7570,7 @@
               <a:buAutoNum type="arabicPeriod"/>
             </a:pPr>
             <a:r>
-              <a:rPr lang="en-US" altLang="zh-CN" sz="2000" dirty="0" smtClean="0">
+              <a:rPr lang="en-US" altLang="zh-CN" sz="2000" dirty="0">
                 <a:latin typeface="Arial"/>
               </a:rPr>
               <a:t>Build a distinct classifier for every entity type.</a:t>
@@ -7695,34 +7581,10 @@
               <a:buAutoNum type="arabicPeriod"/>
             </a:pPr>
             <a:r>
-              <a:rPr lang="en-US" altLang="zh-CN" sz="2000" dirty="0" smtClean="0">
+              <a:rPr lang="en-US" altLang="zh-CN" sz="2000" dirty="0">
                 <a:latin typeface="Arial"/>
               </a:rPr>
-              <a:t>Input: </a:t>
-            </a:r>
-            <a:r>
-              <a:rPr lang="en-US" altLang="zh-CN" sz="2000" dirty="0" smtClean="0">
-                <a:latin typeface="Arial"/>
-              </a:rPr>
-              <a:t>{w1, w2, w3, w4, w5</a:t>
-            </a:r>
-            <a:r>
-              <a:rPr lang="en-US" altLang="zh-CN" sz="2000" dirty="0" smtClean="0">
-                <a:latin typeface="Arial"/>
-              </a:rPr>
-              <a:t>}; Label: {1</a:t>
-            </a:r>
-            <a:r>
-              <a:rPr lang="en-US" altLang="zh-CN" sz="2000" dirty="0" smtClean="0">
-                <a:latin typeface="Arial"/>
-              </a:rPr>
-              <a:t>, 1, 0, 0, 1</a:t>
-            </a:r>
-            <a:r>
-              <a:rPr lang="en-US" altLang="zh-CN" sz="2000" dirty="0" smtClean="0">
-                <a:latin typeface="Arial"/>
-              </a:rPr>
-              <a:t>}        {w1, w2} and {w5} are predicted as two entities of the type.</a:t>
+              <a:t>Input: {w1, w2, w3, w4, w5}; Label: {1, 1, 0, 0, 1}        {w1, w2} and {w5} are predicted as two entities of the type.</a:t>
             </a:r>
           </a:p>
           <a:p>
@@ -7730,12 +7592,12 @@
               <a:buAutoNum type="arabicPeriod"/>
             </a:pPr>
             <a:r>
-              <a:rPr lang="en-US" altLang="zh-CN" sz="2000" dirty="0" smtClean="0">
+              <a:rPr lang="en-US" altLang="zh-CN" sz="2000" dirty="0">
                 <a:latin typeface="Arial"/>
               </a:rPr>
               <a:t>Type conflict is resolved by choosing the type with the highest prediction probability.</a:t>
             </a:r>
-            <a:endParaRPr lang="en-US" altLang="zh-CN" sz="2000" b="0" i="0" dirty="0" smtClean="0">
+            <a:endParaRPr lang="en-US" altLang="zh-CN" sz="2000" b="0" i="0" dirty="0">
               <a:latin typeface="Arial"/>
             </a:endParaRPr>
           </a:p>
@@ -7764,14 +7626,14 @@
           <a:lstStyle/>
           <a:p>
             <a:r>
-              <a:rPr lang="en-US" altLang="zh-CN" sz="3200" dirty="0" smtClean="0">
+              <a:rPr lang="en-US" altLang="zh-CN" sz="3200" dirty="0">
                 <a:latin typeface="+mj-lt"/>
                 <a:ea typeface="+mj-ea"/>
               </a:rPr>
               <a:t>Inference</a:t>
             </a:r>
             <a:r>
-              <a:rPr lang="en-US" altLang="zh-CN" sz="2800" dirty="0" smtClean="0">
+              <a:rPr lang="en-US" altLang="zh-CN" sz="2800" dirty="0">
                 <a:latin typeface="+mj-lt"/>
                 <a:ea typeface="+mj-ea"/>
               </a:rPr>
@@ -7885,7 +7747,7 @@
           <a:lstStyle/>
           <a:p>
             <a:r>
-              <a:rPr lang="en-US" altLang="zh-CN" dirty="0" smtClean="0"/>
+              <a:rPr lang="en-US" altLang="zh-CN" dirty="0"/>
               <a:t>Results</a:t>
             </a:r>
             <a:endParaRPr lang="zh-CN" altLang="en-US" dirty="0"/>
@@ -7967,7 +7829,7 @@
           <a:lstStyle/>
           <a:p>
             <a:r>
-              <a:rPr lang="en-US" altLang="zh-CN" dirty="0" smtClean="0"/>
+              <a:rPr lang="en-US" altLang="zh-CN" dirty="0"/>
               <a:t>Results</a:t>
             </a:r>
             <a:endParaRPr lang="zh-CN" altLang="en-US" dirty="0"/>
@@ -8049,7 +7911,7 @@
           <a:lstStyle/>
           <a:p>
             <a:r>
-              <a:rPr lang="en-US" altLang="zh-CN" dirty="0" smtClean="0"/>
+              <a:rPr lang="en-US" altLang="zh-CN" dirty="0"/>
               <a:t>Paper &amp; Source Code &amp; Slides</a:t>
             </a:r>
             <a:endParaRPr lang="zh-CN" altLang="en-US" dirty="0"/>
@@ -8078,7 +7940,7 @@
           <a:lstStyle/>
           <a:p>
             <a:r>
-              <a:rPr lang="en-US" altLang="zh-CN" sz="2800" dirty="0" smtClean="0">
+              <a:rPr lang="en-US" altLang="zh-CN" sz="2800" dirty="0">
                 <a:hlinkClick r:id="rId3"/>
               </a:rPr>
               <a:t>https://github.com/v-mipeng/LexiconNER</a:t>
@@ -8136,7 +7998,7 @@
           <a:p>
             <a:pPr algn="ctr"/>
             <a:r>
-              <a:rPr lang="en-US" altLang="zh-CN" sz="5400" b="1" cap="none" spc="0" dirty="0" smtClean="0">
+              <a:rPr lang="en-US" altLang="zh-CN" sz="5400" b="1" cap="none" spc="0" dirty="0">
                 <a:ln w="17780" cmpd="sng">
                   <a:solidFill>
                     <a:srgbClr val="FFFFFF"/>
@@ -8288,7 +8150,7 @@
           <a:lstStyle/>
           <a:p>
             <a:r>
-              <a:rPr lang="en-US" altLang="zh-CN" dirty="0" smtClean="0"/>
+              <a:rPr lang="en-US" altLang="zh-CN" dirty="0"/>
               <a:t>NER Using Only Dictionary</a:t>
             </a:r>
             <a:endParaRPr lang="zh-CN" altLang="en-US" dirty="0"/>
@@ -8321,23 +8183,23 @@
               <a:buAutoNum type="arabicPeriod"/>
             </a:pPr>
             <a:r>
-              <a:rPr lang="en-US" altLang="zh-CN" dirty="0" smtClean="0"/>
+              <a:rPr lang="en-US" altLang="zh-CN" dirty="0"/>
               <a:t>“</a:t>
             </a:r>
             <a:r>
-              <a:rPr lang="en-US" altLang="zh-CN" dirty="0" err="1" smtClean="0"/>
+              <a:rPr lang="en-US" altLang="zh-CN" dirty="0" err="1"/>
               <a:t>Bobick</a:t>
             </a:r>
             <a:r>
-              <a:rPr lang="en-US" altLang="zh-CN" dirty="0" smtClean="0"/>
+              <a:rPr lang="en-US" altLang="zh-CN" dirty="0"/>
               <a:t>”</a:t>
             </a:r>
             <a:r>
-              <a:rPr lang="zh-CN" altLang="en-US" dirty="0" smtClean="0"/>
+              <a:rPr lang="zh-CN" altLang="en-US" dirty="0"/>
               <a:t> </a:t>
             </a:r>
             <a:r>
-              <a:rPr lang="en-US" altLang="zh-CN" dirty="0" smtClean="0"/>
+              <a:rPr lang="en-US" altLang="zh-CN" dirty="0"/>
               <a:t>and “Joe Frazier” are two person names.</a:t>
             </a:r>
           </a:p>
@@ -8346,15 +8208,15 @@
               <a:buAutoNum type="arabicPeriod"/>
             </a:pPr>
             <a:r>
-              <a:rPr lang="en-US" altLang="zh-CN" dirty="0" smtClean="0"/>
+              <a:rPr lang="en-US" altLang="zh-CN" dirty="0"/>
               <a:t>Only “Joe Frazier” is </a:t>
             </a:r>
             <a:r>
-              <a:rPr lang="en-US" altLang="zh-CN" b="1" dirty="0" smtClean="0"/>
+              <a:rPr lang="en-US" altLang="zh-CN" b="1" dirty="0"/>
               <a:t>partially</a:t>
             </a:r>
             <a:r>
-              <a:rPr lang="en-US" altLang="zh-CN" dirty="0" smtClean="0"/>
+              <a:rPr lang="en-US" altLang="zh-CN" dirty="0"/>
               <a:t> labeled by the dictionary</a:t>
             </a:r>
           </a:p>
@@ -8397,13 +8259,6 @@
   <p:clrMapOvr>
     <a:masterClrMapping/>
   </p:clrMapOvr>
-  <p:timing>
-    <p:tnLst>
-      <p:par>
-        <p:cTn id="1" dur="indefinite" restart="never" nodeType="tmRoot"/>
-      </p:par>
-    </p:tnLst>
-  </p:timing>
 </p:sld>
 </file>
 
@@ -8442,7 +8297,7 @@
           <a:lstStyle/>
           <a:p>
             <a:r>
-              <a:rPr lang="en-US" altLang="zh-CN" dirty="0" smtClean="0"/>
+              <a:rPr lang="en-US" altLang="zh-CN" dirty="0"/>
               <a:t>NER Using Only Dictionary</a:t>
             </a:r>
             <a:endParaRPr lang="zh-CN" altLang="en-US" dirty="0"/>
@@ -8473,14 +8328,14 @@
           <a:p>
             <a:pPr marL="342900" indent="-342900"/>
             <a:r>
-              <a:rPr lang="en-US" altLang="zh-CN" dirty="0" smtClean="0"/>
+              <a:rPr lang="en-US" altLang="zh-CN" dirty="0"/>
               <a:t>We know “Joe” is of entity words, but we do not know its </a:t>
             </a:r>
           </a:p>
           <a:p>
             <a:pPr marL="342900" indent="-342900"/>
             <a:r>
-              <a:rPr lang="en-US" altLang="zh-CN" dirty="0" smtClean="0"/>
+              <a:rPr lang="en-US" altLang="zh-CN" dirty="0"/>
               <a:t>position (BMES) in the entity.</a:t>
             </a:r>
           </a:p>
@@ -8568,15 +8423,15 @@
           <a:p>
             <a:pPr marL="342900" indent="-342900"/>
             <a:r>
-              <a:rPr lang="en-US" altLang="zh-CN" dirty="0" smtClean="0"/>
+              <a:rPr lang="en-US" altLang="zh-CN" dirty="0"/>
               <a:t>Formulate the task as a </a:t>
             </a:r>
             <a:r>
-              <a:rPr lang="en-US" altLang="zh-CN" b="1" dirty="0" smtClean="0"/>
+              <a:rPr lang="en-US" altLang="zh-CN" b="1" dirty="0"/>
               <a:t>binary-class</a:t>
             </a:r>
             <a:r>
-              <a:rPr lang="en-US" altLang="zh-CN" dirty="0" smtClean="0"/>
+              <a:rPr lang="en-US" altLang="zh-CN" dirty="0"/>
               <a:t> classification problem.</a:t>
             </a:r>
           </a:p>
@@ -8619,13 +8474,6 @@
   <p:clrMapOvr>
     <a:masterClrMapping/>
   </p:clrMapOvr>
-  <p:timing>
-    <p:tnLst>
-      <p:par>
-        <p:cTn id="1" dur="indefinite" restart="never" nodeType="tmRoot"/>
-      </p:par>
-    </p:tnLst>
-  </p:timing>
 </p:sld>
 </file>
 
@@ -8664,7 +8512,7 @@
           <a:lstStyle/>
           <a:p>
             <a:r>
-              <a:rPr lang="en-US" altLang="zh-CN" dirty="0" smtClean="0"/>
+              <a:rPr lang="en-US" altLang="zh-CN" dirty="0"/>
               <a:t>NER Using Only Dictionary</a:t>
             </a:r>
             <a:endParaRPr lang="zh-CN" altLang="en-US" dirty="0"/>
@@ -8695,36 +8543,36 @@
           <a:p>
             <a:pPr marL="342900" indent="-342900"/>
             <a:r>
-              <a:rPr lang="en-US" altLang="zh-CN" dirty="0" smtClean="0"/>
+              <a:rPr lang="en-US" altLang="zh-CN" dirty="0"/>
               <a:t>Ordinary supervised models require labeled data </a:t>
             </a:r>
           </a:p>
           <a:p>
             <a:pPr marL="342900" indent="-342900"/>
             <a:r>
-              <a:rPr lang="en-US" altLang="zh-CN" dirty="0" smtClean="0"/>
+              <a:rPr lang="en-US" altLang="zh-CN" dirty="0"/>
               <a:t>of both positive and negative classes. </a:t>
             </a:r>
           </a:p>
           <a:p>
             <a:pPr marL="342900" indent="-342900"/>
-            <a:endParaRPr lang="en-US" altLang="zh-CN" dirty="0" smtClean="0"/>
+            <a:endParaRPr lang="en-US" altLang="zh-CN" dirty="0"/>
           </a:p>
           <a:p>
             <a:pPr marL="342900" indent="-342900"/>
-            <a:endParaRPr lang="en-US" altLang="zh-CN" dirty="0" smtClean="0"/>
+            <a:endParaRPr lang="en-US" altLang="zh-CN" dirty="0"/>
           </a:p>
           <a:p>
             <a:pPr marL="342900" indent="-342900"/>
             <a:r>
-              <a:rPr lang="en-US" altLang="zh-CN" dirty="0" smtClean="0"/>
+              <a:rPr lang="en-US" altLang="zh-CN" dirty="0"/>
               <a:t>We only know “Joe” is of entity words (positive class),</a:t>
             </a:r>
           </a:p>
           <a:p>
             <a:pPr marL="342900" indent="-342900"/>
             <a:r>
-              <a:rPr lang="en-US" altLang="zh-CN" dirty="0" smtClean="0"/>
+              <a:rPr lang="en-US" altLang="zh-CN" dirty="0"/>
               <a:t> while labels of the rest words are unknown.</a:t>
             </a:r>
           </a:p>
@@ -8754,7 +8602,7 @@
           <a:p>
             <a:pPr algn="ctr"/>
             <a:r>
-              <a:rPr lang="en-US" altLang="zh-CN" sz="2800" b="1" cap="none" spc="0" dirty="0" smtClean="0">
+              <a:rPr lang="en-US" altLang="zh-CN" sz="2800" b="1" cap="none" spc="0" dirty="0">
                 <a:ln w="18000">
                   <a:solidFill>
                     <a:schemeClr val="accent2">
@@ -8834,13 +8682,6 @@
   <p:clrMapOvr>
     <a:masterClrMapping/>
   </p:clrMapOvr>
-  <p:timing>
-    <p:tnLst>
-      <p:par>
-        <p:cTn id="1" dur="indefinite" restart="never" nodeType="tmRoot"/>
-      </p:par>
-    </p:tnLst>
-  </p:timing>
 </p:sld>
 </file>
 
@@ -8879,7 +8720,7 @@
           <a:lstStyle/>
           <a:p>
             <a:r>
-              <a:rPr lang="en-US" altLang="zh-CN" dirty="0" smtClean="0"/>
+              <a:rPr lang="en-US" altLang="zh-CN" dirty="0"/>
               <a:t>PU-Learning for Dictionary-based NER</a:t>
             </a:r>
             <a:endParaRPr lang="zh-CN" altLang="en-US" dirty="0"/>
@@ -8973,7 +8814,7 @@
           <a:lstStyle/>
           <a:p>
             <a:r>
-              <a:rPr lang="en-US" altLang="zh-CN" sz="1600" dirty="0" smtClean="0"/>
+              <a:rPr lang="en-US" altLang="zh-CN" sz="1600" dirty="0"/>
               <a:t>Expected task loss</a:t>
             </a:r>
             <a:endParaRPr lang="zh-CN" altLang="en-US" sz="1600" dirty="0"/>
@@ -9061,10 +8902,10 @@
           <a:lstStyle/>
           <a:p>
             <a:r>
-              <a:rPr lang="en-US" altLang="zh-CN" sz="1600" dirty="0" smtClean="0"/>
+              <a:rPr lang="en-US" altLang="zh-CN" sz="1600" dirty="0"/>
               <a:t>Premise</a:t>
             </a:r>
-            <a:endParaRPr lang="zh-CN" altLang="en-US" sz="1600" dirty="0" smtClean="0"/>
+            <a:endParaRPr lang="zh-CN" altLang="en-US" sz="1600" dirty="0"/>
           </a:p>
         </p:txBody>
       </p:sp>
@@ -9285,41 +9126,37 @@
           <a:lstStyle/>
           <a:p>
             <a:r>
-              <a:rPr lang="en-US" altLang="zh-CN" dirty="0" smtClean="0"/>
+              <a:rPr lang="en-US" altLang="zh-CN" dirty="0"/>
               <a:t>The expected task loss can be </a:t>
             </a:r>
             <a:r>
-              <a:rPr lang="en-US" altLang="zh-CN" dirty="0" err="1" smtClean="0"/>
+              <a:rPr lang="en-US" altLang="zh-CN" dirty="0" err="1"/>
               <a:t>unbiasedly</a:t>
             </a:r>
             <a:r>
-              <a:rPr lang="en-US" altLang="zh-CN" dirty="0" smtClean="0"/>
-              <a:t> </a:t>
-            </a:r>
-            <a:r>
-              <a:rPr lang="en-US" altLang="zh-CN" dirty="0" smtClean="0"/>
-              <a:t>estimated </a:t>
-            </a:r>
-          </a:p>
-          <a:p>
-            <a:r>
-              <a:rPr lang="en-US" altLang="zh-CN" dirty="0" smtClean="0"/>
+              <a:rPr lang="en-US" altLang="zh-CN" dirty="0"/>
+              <a:t> estimated </a:t>
+            </a:r>
+          </a:p>
+          <a:p>
+            <a:r>
+              <a:rPr lang="en-US" altLang="zh-CN" dirty="0"/>
               <a:t>using only </a:t>
             </a:r>
             <a:r>
-              <a:rPr lang="en-US" altLang="zh-CN" b="1" dirty="0" smtClean="0"/>
+              <a:rPr lang="en-US" altLang="zh-CN" b="1" dirty="0"/>
               <a:t>positive</a:t>
             </a:r>
             <a:r>
-              <a:rPr lang="en-US" altLang="zh-CN" dirty="0" smtClean="0"/>
+              <a:rPr lang="en-US" altLang="zh-CN" dirty="0"/>
               <a:t> and </a:t>
             </a:r>
             <a:r>
-              <a:rPr lang="en-US" altLang="zh-CN" b="1" dirty="0" smtClean="0"/>
+              <a:rPr lang="en-US" altLang="zh-CN" b="1" dirty="0"/>
               <a:t>unlabeled</a:t>
             </a:r>
             <a:r>
-              <a:rPr lang="en-US" altLang="zh-CN" dirty="0" smtClean="0"/>
+              <a:rPr lang="en-US" altLang="zh-CN" dirty="0"/>
               <a:t> data.</a:t>
             </a:r>
             <a:endParaRPr lang="zh-CN" altLang="en-US" dirty="0"/>
@@ -9331,13 +9168,6 @@
   <p:clrMapOvr>
     <a:masterClrMapping/>
   </p:clrMapOvr>
-  <p:timing>
-    <p:tnLst>
-      <p:par>
-        <p:cTn id="1" dur="indefinite" restart="never" nodeType="tmRoot"/>
-      </p:par>
-    </p:tnLst>
-  </p:timing>
 </p:sld>
 </file>
 
@@ -9376,7 +9206,7 @@
           <a:lstStyle/>
           <a:p>
             <a:r>
-              <a:rPr lang="en-US" altLang="zh-CN" dirty="0" smtClean="0"/>
+              <a:rPr lang="en-US" altLang="zh-CN" dirty="0"/>
               <a:t>PU-Learning for Dictionary-based NER</a:t>
             </a:r>
             <a:endParaRPr lang="zh-CN" altLang="en-US" dirty="0"/>
@@ -9498,7 +9328,7 @@
             <a:lstStyle/>
             <a:p>
               <a:r>
-                <a:rPr lang="en-US" altLang="zh-CN" sz="2400" b="1" dirty="0" smtClean="0">
+                <a:rPr lang="en-US" altLang="zh-CN" sz="2400" b="1" dirty="0">
                   <a:ln w="18000">
                     <a:solidFill>
                       <a:schemeClr val="accent2">
@@ -9520,11 +9350,11 @@
                 <a:t>!</a:t>
               </a:r>
               <a:r>
-                <a:rPr lang="en-US" altLang="zh-CN" sz="2400" dirty="0" smtClean="0"/>
+                <a:rPr lang="en-US" altLang="zh-CN" sz="2400" dirty="0"/>
                 <a:t> </a:t>
               </a:r>
               <a:r>
-                <a:rPr lang="en-US" altLang="zh-CN" dirty="0" smtClean="0"/>
+                <a:rPr lang="en-US" altLang="zh-CN" dirty="0"/>
                 <a:t>The loss function      should be upper bounded.</a:t>
               </a:r>
               <a:endParaRPr lang="zh-CN" altLang="en-US" dirty="0"/>
@@ -9587,7 +9417,7 @@
           <a:lstStyle/>
           <a:p>
             <a:r>
-              <a:rPr lang="en-US" altLang="zh-CN" dirty="0" smtClean="0"/>
+              <a:rPr lang="en-US" altLang="zh-CN" dirty="0"/>
               <a:t>can be optimized to make </a:t>
             </a:r>
             <a:endParaRPr lang="zh-CN" altLang="en-US" dirty="0"/>
@@ -9663,13 +9493,6 @@
   <p:clrMapOvr>
     <a:masterClrMapping/>
   </p:clrMapOvr>
-  <p:timing>
-    <p:tnLst>
-      <p:par>
-        <p:cTn id="1" dur="indefinite" restart="never" nodeType="tmRoot"/>
-      </p:par>
-    </p:tnLst>
-  </p:timing>
 </p:sld>
 </file>
 
@@ -9708,7 +9531,7 @@
           <a:lstStyle/>
           <a:p>
             <a:r>
-              <a:rPr lang="en-US" altLang="zh-CN" dirty="0" smtClean="0"/>
+              <a:rPr lang="en-US" altLang="zh-CN" dirty="0"/>
               <a:t>PU-Learning for Dictionary-based NER</a:t>
             </a:r>
             <a:endParaRPr lang="zh-CN" altLang="en-US" dirty="0"/>
@@ -9752,7 +9575,7 @@
             <a:lstStyle/>
             <a:p>
               <a:r>
-                <a:rPr lang="en-US" altLang="zh-CN" sz="2400" b="1" dirty="0" smtClean="0">
+                <a:rPr lang="en-US" altLang="zh-CN" sz="2400" b="1" dirty="0">
                   <a:ln w="18000">
                     <a:solidFill>
                       <a:schemeClr val="accent2">
@@ -9774,11 +9597,11 @@
                 <a:t>!</a:t>
               </a:r>
               <a:r>
-                <a:rPr lang="en-US" altLang="zh-CN" sz="2400" dirty="0" smtClean="0"/>
+                <a:rPr lang="en-US" altLang="zh-CN" sz="2400" dirty="0"/>
                 <a:t> </a:t>
               </a:r>
               <a:r>
-                <a:rPr lang="en-US" altLang="zh-CN" dirty="0" smtClean="0"/>
+                <a:rPr lang="en-US" altLang="zh-CN" dirty="0"/>
                 <a:t>The loss function      should be upper bounded.</a:t>
               </a:r>
               <a:endParaRPr lang="zh-CN" altLang="en-US" dirty="0"/>
@@ -9841,7 +9664,7 @@
           <a:lstStyle/>
           <a:p>
             <a:r>
-              <a:rPr lang="en-US" altLang="zh-CN" dirty="0" smtClean="0"/>
+              <a:rPr lang="en-US" altLang="zh-CN" dirty="0"/>
               <a:t>MAE:</a:t>
             </a:r>
             <a:endParaRPr lang="zh-CN" altLang="en-US" dirty="0"/>
@@ -9903,7 +9726,7 @@
           <a:lstStyle/>
           <a:p>
             <a:r>
-              <a:rPr lang="en-US" altLang="zh-CN" dirty="0" smtClean="0"/>
+              <a:rPr lang="en-US" altLang="zh-CN" dirty="0"/>
               <a:t>MSE:</a:t>
             </a:r>
             <a:endParaRPr lang="zh-CN" altLang="en-US" dirty="0"/>
@@ -9965,7 +9788,7 @@
           <a:lstStyle/>
           <a:p>
             <a:r>
-              <a:rPr lang="en-US" altLang="zh-CN" dirty="0" smtClean="0"/>
+              <a:rPr lang="en-US" altLang="zh-CN" dirty="0"/>
               <a:t>Truncated CE:</a:t>
             </a:r>
             <a:endParaRPr lang="zh-CN" altLang="en-US" dirty="0"/>
@@ -9974,34 +9797,32 @@
       </p:sp>
       <p:pic>
         <p:nvPicPr>
-          <p:cNvPr id="8197" name="Picture 5"/>
+          <p:cNvPr id="4" name="图片 3"/>
           <p:cNvPicPr>
-            <a:picLocks noChangeAspect="1" noChangeArrowheads="1"/>
+            <a:picLocks noChangeAspect="1"/>
           </p:cNvPicPr>
           <p:nvPr/>
         </p:nvPicPr>
         <p:blipFill>
-          <a:blip r:embed="rId5" cstate="print"/>
-          <a:srcRect/>
+          <a:blip r:embed="rId5">
+            <a:extLst>
+              <a:ext uri="{28A0092B-C50C-407E-A947-70E740481C1C}">
+                <a14:useLocalDpi xmlns:a14="http://schemas.microsoft.com/office/drawing/2010/main" val="0"/>
+              </a:ext>
+            </a:extLst>
+          </a:blip>
           <a:stretch>
             <a:fillRect/>
           </a:stretch>
         </p:blipFill>
-        <p:spPr bwMode="auto">
-          <a:xfrm>
-            <a:off x="1115617" y="3921900"/>
-            <a:ext cx="7128792" cy="316451"/>
+        <p:spPr>
+          <a:xfrm>
+            <a:off x="1103091" y="4062579"/>
+            <a:ext cx="6937818" cy="309371"/>
           </a:xfrm>
           <a:prstGeom prst="rect">
             <a:avLst/>
           </a:prstGeom>
-          <a:noFill/>
-          <a:ln w="9525">
-            <a:noFill/>
-            <a:miter lim="800000"/>
-            <a:headEnd/>
-            <a:tailEnd/>
-          </a:ln>
         </p:spPr>
       </p:pic>
     </p:spTree>
@@ -10009,13 +9830,6 @@
   <p:clrMapOvr>
     <a:masterClrMapping/>
   </p:clrMapOvr>
-  <p:timing>
-    <p:tnLst>
-      <p:par>
-        <p:cTn id="1" dur="indefinite" restart="never" nodeType="tmRoot"/>
-      </p:par>
-    </p:tnLst>
-  </p:timing>
 </p:sld>
 </file>
 
@@ -10054,7 +9868,7 @@
           <a:lstStyle/>
           <a:p>
             <a:r>
-              <a:rPr lang="en-US" altLang="zh-CN" dirty="0" smtClean="0"/>
+              <a:rPr lang="en-US" altLang="zh-CN" dirty="0"/>
               <a:t>PU-Learning for Dictionary-based NER</a:t>
             </a:r>
             <a:endParaRPr lang="zh-CN" altLang="en-US" dirty="0"/>
@@ -10162,7 +9976,7 @@
           <a:lstStyle/>
           <a:p>
             <a:r>
-              <a:rPr lang="en-US" altLang="zh-CN" sz="2400" b="1" dirty="0" smtClean="0">
+              <a:rPr lang="en-US" altLang="zh-CN" sz="2400" b="1" dirty="0">
                 <a:ln w="18000">
                   <a:solidFill>
                     <a:schemeClr val="accent2">
@@ -10184,14 +9998,10 @@
               <a:t>!                                                </a:t>
             </a:r>
             <a:r>
-              <a:rPr lang="en-US" altLang="zh-CN" dirty="0" smtClean="0"/>
-              <a:t>Should </a:t>
-            </a:r>
-            <a:r>
-              <a:rPr lang="en-US" altLang="zh-CN" dirty="0" smtClean="0"/>
-              <a:t>be non-negative</a:t>
-            </a:r>
-            <a:endParaRPr lang="zh-CN" altLang="en-US" dirty="0" smtClean="0"/>
+              <a:rPr lang="en-US" altLang="zh-CN" dirty="0"/>
+              <a:t>Should be non-negative</a:t>
+            </a:r>
+            <a:endParaRPr lang="zh-CN" altLang="en-US" dirty="0"/>
           </a:p>
         </p:txBody>
       </p:sp>
@@ -10264,13 +10074,6 @@
   <p:clrMapOvr>
     <a:masterClrMapping/>
   </p:clrMapOvr>
-  <p:timing>
-    <p:tnLst>
-      <p:par>
-        <p:cTn id="1" dur="indefinite" restart="never" nodeType="tmRoot"/>
-      </p:par>
-    </p:tnLst>
-  </p:timing>
 </p:sld>
 </file>
 
@@ -10309,7 +10112,7 @@
           <a:lstStyle/>
           <a:p>
             <a:r>
-              <a:rPr lang="en-US" altLang="zh-CN" dirty="0" smtClean="0"/>
+              <a:rPr lang="en-US" altLang="zh-CN" dirty="0"/>
               <a:t>Implementation Detail</a:t>
             </a:r>
             <a:endParaRPr lang="zh-CN" altLang="en-US" dirty="0"/>
@@ -10339,7 +10142,7 @@
           <a:lstStyle/>
           <a:p>
             <a:r>
-              <a:rPr lang="en-US" altLang="zh-CN" dirty="0" smtClean="0">
+              <a:rPr lang="en-US" altLang="zh-CN" dirty="0">
                 <a:latin typeface="Arial"/>
               </a:rPr>
               <a:t>1. Dictionaries were crawled from Wikipedia (refer to the paper).</a:t>
@@ -10347,14 +10150,11 @@
           </a:p>
           <a:p>
             <a:r>
-              <a:rPr lang="en-US" altLang="zh-CN" b="0" i="0" dirty="0" smtClean="0">
+              <a:rPr lang="en-US" altLang="zh-CN" b="0" i="0" dirty="0">
                 <a:latin typeface="Arial"/>
               </a:rPr>
               <a:t>2. Data labeling using maximum matching algorithm.</a:t>
             </a:r>
-            <a:endParaRPr lang="en-US" altLang="zh-CN" b="0" i="0" dirty="0">
-              <a:latin typeface="Arial"/>
-            </a:endParaRPr>
           </a:p>
         </p:txBody>
       </p:sp>
@@ -10413,14 +10213,14 @@
           <a:lstStyle/>
           <a:p>
             <a:r>
-              <a:rPr lang="en-US" altLang="zh-CN" sz="3200" dirty="0" smtClean="0">
+              <a:rPr lang="en-US" altLang="zh-CN" sz="3200" dirty="0">
                 <a:latin typeface="+mj-lt"/>
                 <a:ea typeface="+mj-ea"/>
               </a:rPr>
               <a:t>Dictionary</a:t>
             </a:r>
             <a:r>
-              <a:rPr lang="en-US" altLang="zh-CN" sz="2800" dirty="0" smtClean="0">
+              <a:rPr lang="en-US" altLang="zh-CN" sz="2800" dirty="0">
                 <a:latin typeface="+mj-lt"/>
                 <a:ea typeface="+mj-ea"/>
               </a:rPr>
@@ -10470,13 +10270,6 @@
   <p:clrMapOvr>
     <a:masterClrMapping/>
   </p:clrMapOvr>
-  <p:timing>
-    <p:tnLst>
-      <p:par>
-        <p:cTn id="1" dur="indefinite" restart="never" nodeType="tmRoot"/>
-      </p:par>
-    </p:tnLst>
-  </p:timing>
 </p:sld>
 </file>
 
